--- a/DOH Presentation DRAFT.pptx
+++ b/DOH Presentation DRAFT.pptx
@@ -15,12 +15,12 @@
     <p:sldId id="1391" r:id="rId3"/>
     <p:sldId id="1372" r:id="rId4"/>
     <p:sldId id="1384" r:id="rId5"/>
-    <p:sldId id="1390" r:id="rId6"/>
-    <p:sldId id="1381" r:id="rId7"/>
-    <p:sldId id="1388" r:id="rId8"/>
-    <p:sldId id="1382" r:id="rId9"/>
-    <p:sldId id="1377" r:id="rId10"/>
-    <p:sldId id="1387" r:id="rId11"/>
+    <p:sldId id="1392" r:id="rId6"/>
+    <p:sldId id="1393" r:id="rId7"/>
+    <p:sldId id="1390" r:id="rId8"/>
+    <p:sldId id="1387" r:id="rId9"/>
+    <p:sldId id="1397" r:id="rId10"/>
+    <p:sldId id="1395" r:id="rId11"/>
     <p:sldId id="1373" r:id="rId12"/>
   </p:sldIdLst>
   <p:sldSz cx="9144000" cy="6858000" type="screen4x3"/>
@@ -268,7 +268,7 @@
             <a:fld id="{7D3C9561-F719-4105-A856-3A3FDA43532C}" type="datetimeFigureOut">
               <a:rPr lang="en-US" smtClean="0"/>
               <a:pPr/>
-              <a:t>3/7/2020</a:t>
+              <a:t>3/9/2020</a:t>
             </a:fld>
             <a:endParaRPr lang="en-US" dirty="0"/>
           </a:p>
@@ -435,7 +435,7 @@
             <a:fld id="{58A1CE86-FC4A-4485-ACB7-F19C3E53A979}" type="datetimeFigureOut">
               <a:rPr lang="en-US" smtClean="0"/>
               <a:pPr/>
-              <a:t>3/7/2020</a:t>
+              <a:t>3/9/2020</a:t>
             </a:fld>
             <a:endParaRPr lang="en-US" dirty="0"/>
           </a:p>
@@ -1132,7 +1132,7 @@
     </p:spTree>
     <p:extLst>
       <p:ext uri="{BB962C8B-B14F-4D97-AF65-F5344CB8AC3E}">
-        <p14:creationId xmlns:p14="http://schemas.microsoft.com/office/powerpoint/2010/main" val="2921660472"/>
+        <p14:creationId xmlns:p14="http://schemas.microsoft.com/office/powerpoint/2010/main" val="3911392984"/>
       </p:ext>
     </p:extLst>
   </p:cSld>
@@ -1227,7 +1227,7 @@
     </p:spTree>
     <p:extLst>
       <p:ext uri="{BB962C8B-B14F-4D97-AF65-F5344CB8AC3E}">
-        <p14:creationId xmlns:p14="http://schemas.microsoft.com/office/powerpoint/2010/main" val="130877141"/>
+        <p14:creationId xmlns:p14="http://schemas.microsoft.com/office/powerpoint/2010/main" val="2253696898"/>
       </p:ext>
     </p:extLst>
   </p:cSld>
@@ -1322,7 +1322,7 @@
     </p:spTree>
     <p:extLst>
       <p:ext uri="{BB962C8B-B14F-4D97-AF65-F5344CB8AC3E}">
-        <p14:creationId xmlns:p14="http://schemas.microsoft.com/office/powerpoint/2010/main" val="2220195691"/>
+        <p14:creationId xmlns:p14="http://schemas.microsoft.com/office/powerpoint/2010/main" val="2921660472"/>
       </p:ext>
     </p:extLst>
   </p:cSld>
@@ -1373,9 +1373,7 @@
         </p:nvSpPr>
         <p:spPr/>
         <p:txBody>
-          <a:bodyPr>
-            <a:normAutofit/>
-          </a:bodyPr>
+          <a:bodyPr/>
           <a:lstStyle/>
           <a:p>
             <a:endParaRPr lang="en-US" dirty="0"/>
@@ -1397,19 +1395,70 @@
           <a:bodyPr/>
           <a:lstStyle/>
           <a:p>
+            <a:pPr marL="0" marR="0" lvl="0" indent="0" algn="r" defTabSz="914400" rtl="0" eaLnBrk="1" fontAlgn="auto" latinLnBrk="0" hangingPunct="1">
+              <a:lnSpc>
+                <a:spcPct val="100000"/>
+              </a:lnSpc>
+              <a:spcBef>
+                <a:spcPts val="0"/>
+              </a:spcBef>
+              <a:spcAft>
+                <a:spcPts val="0"/>
+              </a:spcAft>
+              <a:buClrTx/>
+              <a:buSzTx/>
+              <a:buFontTx/>
+              <a:buNone/>
+              <a:tabLst/>
+              <a:defRPr/>
+            </a:pPr>
             <a:fld id="{EBD217D9-B156-4188-9F00-8CE7EF96FC5B}" type="slidenum">
-              <a:rPr lang="en-US" smtClean="0">
+              <a:rPr kumimoji="0" lang="en-US" sz="1200" b="0" i="0" u="none" strike="noStrike" kern="1200" cap="none" spc="0" normalizeH="0" baseline="0" noProof="0" smtClean="0">
+                <a:ln>
+                  <a:noFill/>
+                </a:ln>
                 <a:solidFill>
                   <a:prstClr val="black"/>
                 </a:solidFill>
+                <a:effectLst/>
+                <a:uLnTx/>
+                <a:uFillTx/>
+                <a:latin typeface="Calibri"/>
+                <a:ea typeface="+mn-ea"/>
+                <a:cs typeface="+mn-cs"/>
               </a:rPr>
-              <a:pPr/>
+              <a:pPr marL="0" marR="0" lvl="0" indent="0" algn="r" defTabSz="914400" rtl="0" eaLnBrk="1" fontAlgn="auto" latinLnBrk="0" hangingPunct="1">
+                <a:lnSpc>
+                  <a:spcPct val="100000"/>
+                </a:lnSpc>
+                <a:spcBef>
+                  <a:spcPts val="0"/>
+                </a:spcBef>
+                <a:spcAft>
+                  <a:spcPts val="0"/>
+                </a:spcAft>
+                <a:buClrTx/>
+                <a:buSzTx/>
+                <a:buFontTx/>
+                <a:buNone/>
+                <a:tabLst/>
+                <a:defRPr/>
+              </a:pPr>
               <a:t>7</a:t>
             </a:fld>
-            <a:endParaRPr lang="en-US" dirty="0">
+            <a:endParaRPr kumimoji="0" lang="en-US" sz="1200" b="0" i="0" u="none" strike="noStrike" kern="1200" cap="none" spc="0" normalizeH="0" baseline="0" noProof="0" dirty="0">
+              <a:ln>
+                <a:noFill/>
+              </a:ln>
               <a:solidFill>
                 <a:prstClr val="black"/>
               </a:solidFill>
+              <a:effectLst/>
+              <a:uLnTx/>
+              <a:uFillTx/>
+              <a:latin typeface="Calibri"/>
+              <a:ea typeface="+mn-ea"/>
+              <a:cs typeface="+mn-cs"/>
             </a:endParaRPr>
           </a:p>
         </p:txBody>
@@ -1417,7 +1466,7 @@
     </p:spTree>
     <p:extLst>
       <p:ext uri="{BB962C8B-B14F-4D97-AF65-F5344CB8AC3E}">
-        <p14:creationId xmlns:p14="http://schemas.microsoft.com/office/powerpoint/2010/main" val="3137392282"/>
+        <p14:creationId xmlns:p14="http://schemas.microsoft.com/office/powerpoint/2010/main" val="184794714"/>
       </p:ext>
     </p:extLst>
   </p:cSld>
@@ -1561,7 +1610,7 @@
     </p:spTree>
     <p:extLst>
       <p:ext uri="{BB962C8B-B14F-4D97-AF65-F5344CB8AC3E}">
-        <p14:creationId xmlns:p14="http://schemas.microsoft.com/office/powerpoint/2010/main" val="184794714"/>
+        <p14:creationId xmlns:p14="http://schemas.microsoft.com/office/powerpoint/2010/main" val="2535634338"/>
       </p:ext>
     </p:extLst>
   </p:cSld>
@@ -3144,7 +3193,7 @@
     </p:spTree>
     <p:extLst>
       <p:ext uri="{BB962C8B-B14F-4D97-AF65-F5344CB8AC3E}">
-        <p14:creationId xmlns:p14="http://schemas.microsoft.com/office/powerpoint/2010/main" val="1473982346"/>
+        <p14:creationId xmlns:p14="http://schemas.microsoft.com/office/powerpoint/2010/main" val="365506220"/>
       </p:ext>
     </p:extLst>
   </p:cSld>
@@ -3934,9 +3983,9 @@
         <p:grpSpPr>
           <a:xfrm>
             <a:off x="304800" y="1219200"/>
-            <a:ext cx="8275153" cy="1553266"/>
+            <a:ext cx="8313683" cy="1553266"/>
             <a:chOff x="594527" y="1530670"/>
-            <a:chExt cx="8275153" cy="1553266"/>
+            <a:chExt cx="8313683" cy="1553266"/>
           </a:xfrm>
         </p:grpSpPr>
         <p:pic>
@@ -3961,7 +4010,7 @@
           </p:blipFill>
           <p:spPr>
             <a:xfrm>
-              <a:off x="6499597" y="1530670"/>
+              <a:off x="6538127" y="1530670"/>
               <a:ext cx="2370083" cy="545119"/>
             </a:xfrm>
             <a:prstGeom prst="rect">
@@ -3980,7 +4029,7 @@
           <p:spPr bwMode="auto">
             <a:xfrm>
               <a:off x="594527" y="1633953"/>
-              <a:ext cx="5489833" cy="338554"/>
+              <a:ext cx="6477000" cy="338554"/>
             </a:xfrm>
             <a:prstGeom prst="rect">
               <a:avLst/>
@@ -4184,7 +4233,7 @@
                     <a:schemeClr val="tx1"/>
                   </a:solidFill>
                 </a:rPr>
-                <a:t>1. March 2020 NYC Restaurant Inspection Results ~430K Rows</a:t>
+                <a:t>1. March 2020 NYC Restaurant Inspection Results 430K Rows, 26 Columns</a:t>
               </a:r>
               <a:endParaRPr lang="en-US" sz="1600" dirty="0">
                 <a:solidFill>
@@ -4575,7 +4624,7 @@
         <p:spPr bwMode="auto">
           <a:xfrm>
             <a:off x="304800" y="838200"/>
-            <a:ext cx="8686800" cy="830997"/>
+            <a:ext cx="8686800" cy="584775"/>
           </a:xfrm>
           <a:prstGeom prst="rect">
             <a:avLst/>
@@ -4779,63 +4828,7 @@
                   <a:schemeClr val="tx1"/>
                 </a:solidFill>
               </a:rPr>
-              <a:t>Because the data set was so large (167 MB), we only extracted the data points we needed. We also categorized the </a:t>
-            </a:r>
-            <a:r>
-              <a:rPr lang="en-US" sz="1600" dirty="0">
-                <a:solidFill>
-                  <a:schemeClr val="tx1"/>
-                </a:solidFill>
-              </a:rPr>
-              <a:t>violation codes into </a:t>
-            </a:r>
-            <a:r>
-              <a:rPr lang="en-US" sz="1600" dirty="0" smtClean="0">
-                <a:solidFill>
-                  <a:schemeClr val="tx1"/>
-                </a:solidFill>
-              </a:rPr>
-              <a:t>more manageable buckets </a:t>
-            </a:r>
-            <a:r>
-              <a:rPr lang="en-US" sz="1600" dirty="0" smtClean="0">
-                <a:solidFill>
-                  <a:schemeClr val="tx1"/>
-                </a:solidFill>
-              </a:rPr>
-              <a:t>(</a:t>
-            </a:r>
-            <a:r>
-              <a:rPr lang="en-US" sz="1600" dirty="0" smtClean="0">
-                <a:solidFill>
-                  <a:schemeClr val="tx1"/>
-                </a:solidFill>
-              </a:rPr>
-              <a:t>food storage related, facility related, vermin related, etc</a:t>
-            </a:r>
-            <a:r>
-              <a:rPr lang="en-US" sz="1600" dirty="0" smtClean="0">
-                <a:solidFill>
-                  <a:schemeClr val="tx1"/>
-                </a:solidFill>
-              </a:rPr>
-              <a:t>.) and added violation </a:t>
-            </a:r>
-            <a:r>
-              <a:rPr lang="en-US" sz="1600" dirty="0">
-                <a:solidFill>
-                  <a:schemeClr val="tx1"/>
-                </a:solidFill>
-              </a:rPr>
-              <a:t>penalty feeds based on the DOH violation </a:t>
-            </a:r>
-            <a:r>
-              <a:rPr lang="en-US" sz="1600" dirty="0" smtClean="0">
-                <a:solidFill>
-                  <a:schemeClr val="tx1"/>
-                </a:solidFill>
-              </a:rPr>
-              <a:t>dictionary.</a:t>
+              <a:t>Because the data set was so large (167 MB), we only extracted Manhattan restaurants with A, B, or C ratings (the rest are not public facing ratings) and cut it down from 26 to 6 columns. </a:t>
             </a:r>
             <a:endParaRPr lang="en-US" sz="1600" dirty="0">
               <a:solidFill>
@@ -4845,25 +4838,75 @@
           </a:p>
         </p:txBody>
       </p:sp>
+      <p:pic>
+        <p:nvPicPr>
+          <p:cNvPr id="2" name="Picture 1"/>
+          <p:cNvPicPr>
+            <a:picLocks noChangeAspect="1"/>
+          </p:cNvPicPr>
+          <p:nvPr/>
+        </p:nvPicPr>
+        <p:blipFill>
+          <a:blip r:embed="rId3"/>
+          <a:stretch>
+            <a:fillRect/>
+          </a:stretch>
+        </p:blipFill>
+        <p:spPr>
+          <a:xfrm>
+            <a:off x="1616868" y="4447423"/>
+            <a:ext cx="6062663" cy="1659255"/>
+          </a:xfrm>
+          <a:prstGeom prst="rect">
+            <a:avLst/>
+          </a:prstGeom>
+        </p:spPr>
+      </p:pic>
+      <p:pic>
+        <p:nvPicPr>
+          <p:cNvPr id="4" name="Picture 3"/>
+          <p:cNvPicPr>
+            <a:picLocks noChangeAspect="1"/>
+          </p:cNvPicPr>
+          <p:nvPr/>
+        </p:nvPicPr>
+        <p:blipFill>
+          <a:blip r:embed="rId4"/>
+          <a:stretch>
+            <a:fillRect/>
+          </a:stretch>
+        </p:blipFill>
+        <p:spPr>
+          <a:xfrm>
+            <a:off x="1653777" y="1752600"/>
+            <a:ext cx="5955507" cy="2105025"/>
+          </a:xfrm>
+          <a:prstGeom prst="rect">
+            <a:avLst/>
+          </a:prstGeom>
+        </p:spPr>
+      </p:pic>
       <p:sp>
         <p:nvSpPr>
-          <p:cNvPr id="5" name="TextBox 4"/>
-          <p:cNvSpPr txBox="1"/>
+          <p:cNvPr id="7" name="Down Arrow 6"/>
+          <p:cNvSpPr/>
           <p:nvPr/>
         </p:nvSpPr>
         <p:spPr>
           <a:xfrm>
-            <a:off x="1371600" y="3581400"/>
-            <a:ext cx="6400800" cy="276999"/>
+            <a:off x="4533899" y="3962024"/>
+            <a:ext cx="228600" cy="381000"/>
           </a:xfrm>
-          <a:prstGeom prst="rect">
+          <a:prstGeom prst="downArrow">
             <a:avLst/>
           </a:prstGeom>
           <a:solidFill>
-            <a:schemeClr val="accent3"/>
+            <a:schemeClr val="accent2"/>
           </a:solidFill>
           <a:ln w="9525">
-            <a:noFill/>
+            <a:solidFill>
+              <a:schemeClr val="accent2"/>
+            </a:solidFill>
           </a:ln>
         </p:spPr>
         <p:style>
@@ -4883,39 +4926,15 @@
           </a:fontRef>
         </p:style>
         <p:txBody>
-          <a:bodyPr wrap="square" rtlCol="0" anchor="ctr">
-            <a:spAutoFit/>
-          </a:bodyPr>
+          <a:bodyPr rtlCol="0" anchor="ctr"/>
           <a:lstStyle/>
           <a:p>
             <a:pPr algn="ctr"/>
-            <a:r>
-              <a:rPr lang="en-US" sz="1200" dirty="0" smtClean="0">
-                <a:solidFill>
-                  <a:schemeClr val="tx1"/>
-                </a:solidFill>
-                <a:latin typeface="Futura Std Light" pitchFamily="34" charset="0"/>
-              </a:rPr>
-              <a:t>(Add </a:t>
-            </a:r>
-            <a:r>
-              <a:rPr lang="en-US" sz="1200" dirty="0" smtClean="0">
-                <a:solidFill>
-                  <a:schemeClr val="tx1"/>
-                </a:solidFill>
-                <a:latin typeface="Futura Std Light" pitchFamily="34" charset="0"/>
-              </a:rPr>
-              <a:t>snap shots of new </a:t>
-            </a:r>
-            <a:r>
-              <a:rPr lang="en-US" sz="1200" dirty="0" smtClean="0">
-                <a:solidFill>
-                  <a:schemeClr val="tx1"/>
-                </a:solidFill>
-                <a:latin typeface="Futura Std Light" pitchFamily="34" charset="0"/>
-              </a:rPr>
-              <a:t>data here)</a:t>
-            </a:r>
+            <a:endParaRPr lang="en-US" dirty="0" smtClean="0">
+              <a:solidFill>
+                <a:schemeClr val="tx1"/>
+              </a:solidFill>
+            </a:endParaRPr>
           </a:p>
         </p:txBody>
       </p:sp>
@@ -4997,7 +5016,7 @@
             </a:pPr>
             <a:r>
               <a:rPr lang="en-US" dirty="0" smtClean="0"/>
-              <a:t>Data exploration</a:t>
+              <a:t>Data ETL</a:t>
             </a:r>
             <a:endParaRPr lang="en-US" sz="2200" dirty="0"/>
           </a:p>
@@ -5014,7 +5033,7 @@
         <p:spPr bwMode="auto">
           <a:xfrm>
             <a:off x="304800" y="838200"/>
-            <a:ext cx="8686800" cy="338554"/>
+            <a:ext cx="8686800" cy="830997"/>
           </a:xfrm>
           <a:prstGeom prst="rect">
             <a:avLst/>
@@ -5218,7 +5237,55 @@
                   <a:schemeClr val="tx1"/>
                 </a:solidFill>
               </a:rPr>
-              <a:t>Once we were able to get our dataset together, we….mongo</a:t>
+              <a:t>We also manually categorized the </a:t>
+            </a:r>
+            <a:r>
+              <a:rPr lang="en-US" sz="1600" dirty="0">
+                <a:solidFill>
+                  <a:schemeClr val="tx1"/>
+                </a:solidFill>
+              </a:rPr>
+              <a:t>violation codes into </a:t>
+            </a:r>
+            <a:r>
+              <a:rPr lang="en-US" sz="1600" dirty="0" smtClean="0">
+                <a:solidFill>
+                  <a:schemeClr val="tx1"/>
+                </a:solidFill>
+              </a:rPr>
+              <a:t>more manageable buckets (food storage related, facility related, vermin related, etc.) and added maximum violation </a:t>
+            </a:r>
+            <a:r>
+              <a:rPr lang="en-US" sz="1600" dirty="0">
+                <a:solidFill>
+                  <a:schemeClr val="tx1"/>
+                </a:solidFill>
+              </a:rPr>
+              <a:t>penalty </a:t>
+            </a:r>
+            <a:r>
+              <a:rPr lang="en-US" sz="1600" dirty="0" smtClean="0">
+                <a:solidFill>
+                  <a:schemeClr val="tx1"/>
+                </a:solidFill>
+              </a:rPr>
+              <a:t>fees </a:t>
+            </a:r>
+            <a:r>
+              <a:rPr lang="en-US" sz="1600" dirty="0">
+                <a:solidFill>
+                  <a:schemeClr val="tx1"/>
+                </a:solidFill>
+              </a:rPr>
+              <a:t>based on the DOH violation </a:t>
+            </a:r>
+            <a:r>
+              <a:rPr lang="en-US" sz="1600" dirty="0" smtClean="0">
+                <a:solidFill>
+                  <a:schemeClr val="tx1"/>
+                </a:solidFill>
+              </a:rPr>
+              <a:t>dictionary.</a:t>
             </a:r>
             <a:endParaRPr lang="en-US" sz="1600" dirty="0">
               <a:solidFill>
@@ -5230,7 +5297,7 @@
       </p:sp>
       <p:pic>
         <p:nvPicPr>
-          <p:cNvPr id="5" name="Picture 4"/>
+          <p:cNvPr id="2" name="Picture 1"/>
           <p:cNvPicPr>
             <a:picLocks noChangeAspect="1"/>
           </p:cNvPicPr>
@@ -5244,17 +5311,69 @@
         </p:blipFill>
         <p:spPr>
           <a:xfrm>
-            <a:off x="457200" y="1676400"/>
-            <a:ext cx="5876925" cy="2228850"/>
+            <a:off x="1616868" y="2112377"/>
+            <a:ext cx="6062663" cy="1659255"/>
           </a:xfrm>
           <a:prstGeom prst="rect">
             <a:avLst/>
           </a:prstGeom>
         </p:spPr>
       </p:pic>
+      <p:sp>
+        <p:nvSpPr>
+          <p:cNvPr id="11" name="Plus 10"/>
+          <p:cNvSpPr/>
+          <p:nvPr/>
+        </p:nvSpPr>
+        <p:spPr>
+          <a:xfrm>
+            <a:off x="4381499" y="3948112"/>
+            <a:ext cx="533400" cy="533400"/>
+          </a:xfrm>
+          <a:prstGeom prst="mathPlus">
+            <a:avLst/>
+          </a:prstGeom>
+          <a:solidFill>
+            <a:schemeClr val="accent2"/>
+          </a:solidFill>
+          <a:ln w="9525">
+            <a:solidFill>
+              <a:schemeClr val="accent2"/>
+            </a:solidFill>
+          </a:ln>
+        </p:spPr>
+        <p:style>
+          <a:lnRef idx="2">
+            <a:schemeClr val="accent1">
+              <a:shade val="50000"/>
+            </a:schemeClr>
+          </a:lnRef>
+          <a:fillRef idx="1">
+            <a:schemeClr val="accent1"/>
+          </a:fillRef>
+          <a:effectRef idx="0">
+            <a:schemeClr val="accent1"/>
+          </a:effectRef>
+          <a:fontRef idx="minor">
+            <a:schemeClr val="lt1"/>
+          </a:fontRef>
+        </p:style>
+        <p:txBody>
+          <a:bodyPr rtlCol="0" anchor="ctr"/>
+          <a:lstStyle/>
+          <a:p>
+            <a:pPr algn="ctr"/>
+            <a:endParaRPr lang="en-US" dirty="0" smtClean="0">
+              <a:solidFill>
+                <a:schemeClr val="tx1"/>
+              </a:solidFill>
+            </a:endParaRPr>
+          </a:p>
+        </p:txBody>
+      </p:sp>
       <p:pic>
         <p:nvPicPr>
-          <p:cNvPr id="6" name="Picture 5"/>
+          <p:cNvPr id="12" name="Picture 11"/>
           <p:cNvPicPr>
             <a:picLocks noChangeAspect="1"/>
           </p:cNvPicPr>
@@ -5268,8 +5387,8 @@
         </p:blipFill>
         <p:spPr>
           <a:xfrm>
-            <a:off x="457200" y="4114800"/>
-            <a:ext cx="8115300" cy="2266950"/>
+            <a:off x="2057399" y="4657992"/>
+            <a:ext cx="5181600" cy="1514475"/>
           </a:xfrm>
           <a:prstGeom prst="rect">
             <a:avLst/>
@@ -5279,7 +5398,7 @@
     </p:spTree>
     <p:extLst>
       <p:ext uri="{BB962C8B-B14F-4D97-AF65-F5344CB8AC3E}">
-        <p14:creationId xmlns:p14="http://schemas.microsoft.com/office/powerpoint/2010/main" val="587855370"/>
+        <p14:creationId xmlns:p14="http://schemas.microsoft.com/office/powerpoint/2010/main" val="555948340"/>
       </p:ext>
     </p:extLst>
   </p:cSld>
@@ -5302,14 +5421,6 @@
 <file path=ppt/slides/slide6.xml><?xml version="1.0" encoding="utf-8"?>
 <p:sld xmlns:a="http://schemas.openxmlformats.org/drawingml/2006/main" xmlns:r="http://schemas.openxmlformats.org/officeDocument/2006/relationships" xmlns:p="http://schemas.openxmlformats.org/presentationml/2006/main">
   <p:cSld>
-    <p:bg>
-      <p:bgPr>
-        <a:solidFill>
-          <a:schemeClr val="bg1"/>
-        </a:solidFill>
-        <a:effectLst/>
-      </p:bgPr>
-    </p:bg>
     <p:spTree>
       <p:nvGrpSpPr>
         <p:cNvPr id="1" name=""/>
@@ -5355,25 +5466,22 @@
           </a:bodyPr>
           <a:lstStyle/>
           <a:p>
+            <a:pPr>
+              <a:tabLst>
+                <a:tab pos="3543300" algn="l"/>
+              </a:tabLst>
+            </a:pPr>
             <a:r>
               <a:rPr lang="en-US" dirty="0" smtClean="0"/>
-              <a:t>Top 15 </a:t>
+              <a:t>Clean Datasets</a:t>
             </a:r>
-            <a:r>
-              <a:rPr lang="en-US" dirty="0" err="1" smtClean="0"/>
-              <a:t>nyc</a:t>
-            </a:r>
-            <a:r>
-              <a:rPr lang="en-US" dirty="0" smtClean="0"/>
-              <a:t> agency budgets </a:t>
-            </a:r>
-            <a:endParaRPr lang="en-US" dirty="0"/>
+            <a:endParaRPr lang="en-US" sz="2200" dirty="0"/>
           </a:p>
         </p:txBody>
       </p:sp>
       <p:sp>
         <p:nvSpPr>
-          <p:cNvPr id="9" name="Content Placeholder 2"/>
+          <p:cNvPr id="10" name="Content Placeholder 2"/>
           <p:cNvSpPr txBox="1">
             <a:spLocks/>
           </p:cNvSpPr>
@@ -5382,7 +5490,7 @@
         <p:spPr bwMode="auto">
           <a:xfrm>
             <a:off x="304800" y="838200"/>
-            <a:ext cx="8686800" cy="954107"/>
+            <a:ext cx="8686800" cy="584775"/>
           </a:xfrm>
           <a:prstGeom prst="rect">
             <a:avLst/>
@@ -5581,78 +5689,30 @@
               <a:buNone/>
             </a:pPr>
             <a:r>
-              <a:rPr lang="en-US" sz="1400" dirty="0" smtClean="0">
+              <a:rPr lang="en-US" sz="1600" dirty="0" smtClean="0">
                 <a:solidFill>
                   <a:schemeClr val="tx1"/>
                 </a:solidFill>
               </a:rPr>
-              <a:t>The Dept. Of Education has the largest budget in NYC by far. It is the </a:t>
+              <a:t>To offload the expected lag time on our flask app/leaflet map, we separated the data by their grades before uploading into </a:t>
             </a:r>
             <a:r>
-              <a:rPr lang="en-US" sz="1400" dirty="0">
+              <a:rPr lang="en-US" sz="1600" dirty="0" err="1" smtClean="0">
                 <a:solidFill>
                   <a:schemeClr val="tx1"/>
                 </a:solidFill>
               </a:rPr>
-              <a:t>largest school system in the </a:t>
+              <a:t>mongoDB</a:t>
             </a:r>
             <a:r>
-              <a:rPr lang="en-US" sz="1400" dirty="0" smtClean="0">
+              <a:rPr lang="en-US" sz="1600" dirty="0" smtClean="0">
                 <a:solidFill>
                   <a:schemeClr val="tx1"/>
                 </a:solidFill>
               </a:rPr>
-              <a:t>entire country, spanning across </a:t>
+              <a:t>. </a:t>
             </a:r>
-            <a:r>
-              <a:rPr lang="en-US" sz="1400" dirty="0">
-                <a:solidFill>
-                  <a:schemeClr val="tx1"/>
-                </a:solidFill>
-              </a:rPr>
-              <a:t>Pre-K </a:t>
-            </a:r>
-            <a:r>
-              <a:rPr lang="en-US" sz="1400" dirty="0" smtClean="0">
-                <a:solidFill>
-                  <a:schemeClr val="tx1"/>
-                </a:solidFill>
-              </a:rPr>
-              <a:t>to </a:t>
-            </a:r>
-            <a:r>
-              <a:rPr lang="en-US" sz="1400" dirty="0">
-                <a:solidFill>
-                  <a:schemeClr val="tx1"/>
-                </a:solidFill>
-              </a:rPr>
-              <a:t>12</a:t>
-            </a:r>
-            <a:r>
-              <a:rPr lang="en-US" sz="1400" baseline="30000" dirty="0">
-                <a:solidFill>
-                  <a:schemeClr val="tx1"/>
-                </a:solidFill>
-              </a:rPr>
-              <a:t>th</a:t>
-            </a:r>
-            <a:r>
-              <a:rPr lang="en-US" sz="1400" dirty="0">
-                <a:solidFill>
-                  <a:schemeClr val="tx1"/>
-                </a:solidFill>
-              </a:rPr>
-              <a:t> grade, public and charter schools, and special education programs to provide education, extracurricular activities, transportation, </a:t>
-            </a:r>
-            <a:r>
-              <a:rPr lang="en-US" sz="1400" dirty="0" smtClean="0">
-                <a:solidFill>
-                  <a:schemeClr val="tx1"/>
-                </a:solidFill>
-              </a:rPr>
-              <a:t>health services, food services, and more. We were surprised to not see the Dept. of Transportation Top 15 budgets but found out that agency is actually under the State of NY, not City funding. </a:t>
-            </a:r>
-            <a:endParaRPr lang="en-US" sz="1400" dirty="0">
+            <a:endParaRPr lang="en-US" sz="1600" dirty="0">
               <a:solidFill>
                 <a:schemeClr val="tx1"/>
               </a:solidFill>
@@ -5660,191 +5720,97 @@
           </a:p>
         </p:txBody>
       </p:sp>
-      <p:pic>
-        <p:nvPicPr>
-          <p:cNvPr id="2" name="Picture 1"/>
-          <p:cNvPicPr>
-            <a:picLocks noChangeAspect="1"/>
-          </p:cNvPicPr>
+      <p:grpSp>
+        <p:nvGrpSpPr>
+          <p:cNvPr id="8" name="Group 7"/>
+          <p:cNvGrpSpPr/>
           <p:nvPr/>
-        </p:nvPicPr>
-        <p:blipFill rotWithShape="1">
-          <a:blip r:embed="rId3">
-            <a:extLst>
-              <a:ext uri="{28A0092B-C50C-407E-A947-70E740481C1C}">
-                <a14:useLocalDpi xmlns:a14="http://schemas.microsoft.com/office/drawing/2010/main" val="0"/>
-              </a:ext>
-            </a:extLst>
-          </a:blip>
-          <a:srcRect b="805"/>
-          <a:stretch/>
-        </p:blipFill>
-        <p:spPr>
+        </p:nvGrpSpPr>
+        <p:grpSpPr>
           <a:xfrm>
-            <a:off x="471739" y="2362201"/>
-            <a:ext cx="8200522" cy="3733800"/>
+            <a:off x="1700212" y="1752600"/>
+            <a:ext cx="5743575" cy="4662738"/>
+            <a:chOff x="609600" y="1793893"/>
+            <a:chExt cx="5743575" cy="4662738"/>
           </a:xfrm>
-          <a:prstGeom prst="rect">
-            <a:avLst/>
-          </a:prstGeom>
-        </p:spPr>
-      </p:pic>
-      <p:sp>
-        <p:nvSpPr>
-          <p:cNvPr id="4" name="Rectangle 3"/>
-          <p:cNvSpPr/>
-          <p:nvPr/>
-        </p:nvSpPr>
-        <p:spPr>
-          <a:xfrm>
-            <a:off x="2639489" y="3113049"/>
-            <a:ext cx="1220325" cy="228600"/>
-          </a:xfrm>
-          <a:prstGeom prst="rect">
-            <a:avLst/>
-          </a:prstGeom>
-          <a:noFill/>
-          <a:ln w="38100">
-            <a:solidFill>
-              <a:srgbClr val="FFC000"/>
-            </a:solidFill>
-          </a:ln>
-        </p:spPr>
-        <p:style>
-          <a:lnRef idx="2">
-            <a:schemeClr val="accent1">
-              <a:shade val="50000"/>
-            </a:schemeClr>
-          </a:lnRef>
-          <a:fillRef idx="1">
-            <a:schemeClr val="accent1"/>
-          </a:fillRef>
-          <a:effectRef idx="0">
-            <a:schemeClr val="accent1"/>
-          </a:effectRef>
-          <a:fontRef idx="minor">
-            <a:schemeClr val="lt1"/>
-          </a:fontRef>
-        </p:style>
-        <p:txBody>
-          <a:bodyPr rtlCol="0" anchor="ctr"/>
-          <a:lstStyle/>
-          <a:p>
-            <a:pPr algn="ctr"/>
-            <a:endParaRPr lang="en-US" dirty="0" smtClean="0">
-              <a:solidFill>
-                <a:schemeClr val="tx1"/>
-              </a:solidFill>
-            </a:endParaRPr>
-          </a:p>
-        </p:txBody>
-      </p:sp>
-      <p:sp>
-        <p:nvSpPr>
-          <p:cNvPr id="7" name="Rectangle 6"/>
-          <p:cNvSpPr/>
-          <p:nvPr/>
-        </p:nvSpPr>
-        <p:spPr>
-          <a:xfrm>
-            <a:off x="2300448" y="3523404"/>
-            <a:ext cx="1559366" cy="228600"/>
-          </a:xfrm>
-          <a:prstGeom prst="rect">
-            <a:avLst/>
-          </a:prstGeom>
-          <a:noFill/>
-          <a:ln w="38100">
-            <a:solidFill>
-              <a:srgbClr val="002060"/>
-            </a:solidFill>
-          </a:ln>
-        </p:spPr>
-        <p:style>
-          <a:lnRef idx="2">
-            <a:schemeClr val="accent1">
-              <a:shade val="50000"/>
-            </a:schemeClr>
-          </a:lnRef>
-          <a:fillRef idx="1">
-            <a:schemeClr val="accent1"/>
-          </a:fillRef>
-          <a:effectRef idx="0">
-            <a:schemeClr val="accent1"/>
-          </a:effectRef>
-          <a:fontRef idx="minor">
-            <a:schemeClr val="lt1"/>
-          </a:fontRef>
-        </p:style>
-        <p:txBody>
-          <a:bodyPr rtlCol="0" anchor="ctr"/>
-          <a:lstStyle/>
-          <a:p>
-            <a:pPr algn="ctr"/>
-            <a:endParaRPr lang="en-US" dirty="0" smtClean="0">
-              <a:solidFill>
-                <a:schemeClr val="tx1"/>
-              </a:solidFill>
-            </a:endParaRPr>
-          </a:p>
-        </p:txBody>
-      </p:sp>
-      <p:sp>
-        <p:nvSpPr>
-          <p:cNvPr id="8" name="Rectangle 7"/>
-          <p:cNvSpPr/>
-          <p:nvPr/>
-        </p:nvSpPr>
-        <p:spPr>
-          <a:xfrm>
-            <a:off x="2514600" y="4144905"/>
-            <a:ext cx="1345214" cy="228600"/>
-          </a:xfrm>
-          <a:prstGeom prst="rect">
-            <a:avLst/>
-          </a:prstGeom>
-          <a:noFill/>
-          <a:ln w="38100">
-            <a:solidFill>
-              <a:schemeClr val="accent3">
-                <a:lumMod val="50000"/>
-              </a:schemeClr>
-            </a:solidFill>
-          </a:ln>
-        </p:spPr>
-        <p:style>
-          <a:lnRef idx="2">
-            <a:schemeClr val="accent1">
-              <a:shade val="50000"/>
-            </a:schemeClr>
-          </a:lnRef>
-          <a:fillRef idx="1">
-            <a:schemeClr val="accent1"/>
-          </a:fillRef>
-          <a:effectRef idx="0">
-            <a:schemeClr val="accent1"/>
-          </a:effectRef>
-          <a:fontRef idx="minor">
-            <a:schemeClr val="lt1"/>
-          </a:fontRef>
-        </p:style>
-        <p:txBody>
-          <a:bodyPr rtlCol="0" anchor="ctr"/>
-          <a:lstStyle/>
-          <a:p>
-            <a:pPr algn="ctr"/>
-            <a:endParaRPr lang="en-US" dirty="0" smtClean="0">
-              <a:solidFill>
-                <a:schemeClr val="tx1"/>
-              </a:solidFill>
-            </a:endParaRPr>
-          </a:p>
-        </p:txBody>
-      </p:sp>
+        </p:grpSpPr>
+        <p:pic>
+          <p:nvPicPr>
+            <p:cNvPr id="2" name="Picture 1"/>
+            <p:cNvPicPr>
+              <a:picLocks noChangeAspect="1"/>
+            </p:cNvPicPr>
+            <p:nvPr/>
+          </p:nvPicPr>
+          <p:blipFill>
+            <a:blip r:embed="rId3"/>
+            <a:stretch>
+              <a:fillRect/>
+            </a:stretch>
+          </p:blipFill>
+          <p:spPr>
+            <a:xfrm>
+              <a:off x="700087" y="1793893"/>
+              <a:ext cx="5562600" cy="1524000"/>
+            </a:xfrm>
+            <a:prstGeom prst="rect">
+              <a:avLst/>
+            </a:prstGeom>
+          </p:spPr>
+        </p:pic>
+        <p:pic>
+          <p:nvPicPr>
+            <p:cNvPr id="4" name="Picture 3"/>
+            <p:cNvPicPr>
+              <a:picLocks noChangeAspect="1"/>
+            </p:cNvPicPr>
+            <p:nvPr/>
+          </p:nvPicPr>
+          <p:blipFill>
+            <a:blip r:embed="rId4"/>
+            <a:stretch>
+              <a:fillRect/>
+            </a:stretch>
+          </p:blipFill>
+          <p:spPr>
+            <a:xfrm>
+              <a:off x="814387" y="3377549"/>
+              <a:ext cx="5334000" cy="1504950"/>
+            </a:xfrm>
+            <a:prstGeom prst="rect">
+              <a:avLst/>
+            </a:prstGeom>
+          </p:spPr>
+        </p:pic>
+        <p:pic>
+          <p:nvPicPr>
+            <p:cNvPr id="7" name="Picture 6"/>
+            <p:cNvPicPr>
+              <a:picLocks noChangeAspect="1"/>
+            </p:cNvPicPr>
+            <p:nvPr/>
+          </p:nvPicPr>
+          <p:blipFill>
+            <a:blip r:embed="rId5"/>
+            <a:stretch>
+              <a:fillRect/>
+            </a:stretch>
+          </p:blipFill>
+          <p:spPr>
+            <a:xfrm>
+              <a:off x="609600" y="4942156"/>
+              <a:ext cx="5743575" cy="1514475"/>
+            </a:xfrm>
+            <a:prstGeom prst="rect">
+              <a:avLst/>
+            </a:prstGeom>
+          </p:spPr>
+        </p:pic>
+      </p:grpSp>
     </p:spTree>
     <p:extLst>
       <p:ext uri="{BB962C8B-B14F-4D97-AF65-F5344CB8AC3E}">
-        <p14:creationId xmlns:p14="http://schemas.microsoft.com/office/powerpoint/2010/main" val="2301608850"/>
+        <p14:creationId xmlns:p14="http://schemas.microsoft.com/office/powerpoint/2010/main" val="2565251373"/>
       </p:ext>
     </p:extLst>
   </p:cSld>
@@ -5857,196 +5823,9 @@
   <p:timing>
     <p:tnLst>
       <p:par>
-        <p:cTn id="1" dur="indefinite" restart="never" nodeType="tmRoot">
-          <p:childTnLst>
-            <p:seq concurrent="1" nextAc="seek">
-              <p:cTn id="2" dur="indefinite" nodeType="mainSeq">
-                <p:childTnLst>
-                  <p:par>
-                    <p:cTn id="3" fill="hold">
-                      <p:stCondLst>
-                        <p:cond delay="indefinite"/>
-                      </p:stCondLst>
-                      <p:childTnLst>
-                        <p:par>
-                          <p:cTn id="4" fill="hold">
-                            <p:stCondLst>
-                              <p:cond delay="0"/>
-                            </p:stCondLst>
-                            <p:childTnLst>
-                              <p:par>
-                                <p:cTn id="5" presetID="10" presetClass="entr" presetSubtype="0" fill="hold" grpId="0" nodeType="clickEffect">
-                                  <p:stCondLst>
-                                    <p:cond delay="0"/>
-                                  </p:stCondLst>
-                                  <p:childTnLst>
-                                    <p:set>
-                                      <p:cBhvr>
-                                        <p:cTn id="6" dur="1" fill="hold">
-                                          <p:stCondLst>
-                                            <p:cond delay="0"/>
-                                          </p:stCondLst>
-                                        </p:cTn>
-                                        <p:tgtEl>
-                                          <p:spTgt spid="4"/>
-                                        </p:tgtEl>
-                                        <p:attrNameLst>
-                                          <p:attrName>style.visibility</p:attrName>
-                                        </p:attrNameLst>
-                                      </p:cBhvr>
-                                      <p:to>
-                                        <p:strVal val="visible"/>
-                                      </p:to>
-                                    </p:set>
-                                    <p:animEffect transition="in" filter="fade">
-                                      <p:cBhvr>
-                                        <p:cTn id="7" dur="500"/>
-                                        <p:tgtEl>
-                                          <p:spTgt spid="4"/>
-                                        </p:tgtEl>
-                                      </p:cBhvr>
-                                    </p:animEffect>
-                                  </p:childTnLst>
-                                </p:cTn>
-                              </p:par>
-                            </p:childTnLst>
-                          </p:cTn>
-                        </p:par>
-                      </p:childTnLst>
-                    </p:cTn>
-                  </p:par>
-                  <p:par>
-                    <p:cTn id="8" fill="hold">
-                      <p:stCondLst>
-                        <p:cond delay="indefinite"/>
-                      </p:stCondLst>
-                      <p:childTnLst>
-                        <p:par>
-                          <p:cTn id="9" fill="hold">
-                            <p:stCondLst>
-                              <p:cond delay="0"/>
-                            </p:stCondLst>
-                            <p:childTnLst>
-                              <p:par>
-                                <p:cTn id="10" presetID="10" presetClass="entr" presetSubtype="0" fill="hold" grpId="0" nodeType="clickEffect">
-                                  <p:stCondLst>
-                                    <p:cond delay="0"/>
-                                  </p:stCondLst>
-                                  <p:childTnLst>
-                                    <p:set>
-                                      <p:cBhvr>
-                                        <p:cTn id="11" dur="1" fill="hold">
-                                          <p:stCondLst>
-                                            <p:cond delay="0"/>
-                                          </p:stCondLst>
-                                        </p:cTn>
-                                        <p:tgtEl>
-                                          <p:spTgt spid="7"/>
-                                        </p:tgtEl>
-                                        <p:attrNameLst>
-                                          <p:attrName>style.visibility</p:attrName>
-                                        </p:attrNameLst>
-                                      </p:cBhvr>
-                                      <p:to>
-                                        <p:strVal val="visible"/>
-                                      </p:to>
-                                    </p:set>
-                                    <p:animEffect transition="in" filter="fade">
-                                      <p:cBhvr>
-                                        <p:cTn id="12" dur="500"/>
-                                        <p:tgtEl>
-                                          <p:spTgt spid="7"/>
-                                        </p:tgtEl>
-                                      </p:cBhvr>
-                                    </p:animEffect>
-                                  </p:childTnLst>
-                                </p:cTn>
-                              </p:par>
-                            </p:childTnLst>
-                          </p:cTn>
-                        </p:par>
-                      </p:childTnLst>
-                    </p:cTn>
-                  </p:par>
-                  <p:par>
-                    <p:cTn id="13" fill="hold">
-                      <p:stCondLst>
-                        <p:cond delay="indefinite"/>
-                      </p:stCondLst>
-                      <p:childTnLst>
-                        <p:par>
-                          <p:cTn id="14" fill="hold">
-                            <p:stCondLst>
-                              <p:cond delay="0"/>
-                            </p:stCondLst>
-                            <p:childTnLst>
-                              <p:par>
-                                <p:cTn id="15" presetID="10" presetClass="entr" presetSubtype="0" fill="hold" grpId="0" nodeType="clickEffect">
-                                  <p:stCondLst>
-                                    <p:cond delay="0"/>
-                                  </p:stCondLst>
-                                  <p:childTnLst>
-                                    <p:set>
-                                      <p:cBhvr>
-                                        <p:cTn id="16" dur="1" fill="hold">
-                                          <p:stCondLst>
-                                            <p:cond delay="0"/>
-                                          </p:stCondLst>
-                                        </p:cTn>
-                                        <p:tgtEl>
-                                          <p:spTgt spid="8"/>
-                                        </p:tgtEl>
-                                        <p:attrNameLst>
-                                          <p:attrName>style.visibility</p:attrName>
-                                        </p:attrNameLst>
-                                      </p:cBhvr>
-                                      <p:to>
-                                        <p:strVal val="visible"/>
-                                      </p:to>
-                                    </p:set>
-                                    <p:animEffect transition="in" filter="fade">
-                                      <p:cBhvr>
-                                        <p:cTn id="17" dur="500"/>
-                                        <p:tgtEl>
-                                          <p:spTgt spid="8"/>
-                                        </p:tgtEl>
-                                      </p:cBhvr>
-                                    </p:animEffect>
-                                  </p:childTnLst>
-                                </p:cTn>
-                              </p:par>
-                            </p:childTnLst>
-                          </p:cTn>
-                        </p:par>
-                      </p:childTnLst>
-                    </p:cTn>
-                  </p:par>
-                </p:childTnLst>
-              </p:cTn>
-              <p:prevCondLst>
-                <p:cond evt="onPrev" delay="0">
-                  <p:tgtEl>
-                    <p:sldTgt/>
-                  </p:tgtEl>
-                </p:cond>
-              </p:prevCondLst>
-              <p:nextCondLst>
-                <p:cond evt="onNext" delay="0">
-                  <p:tgtEl>
-                    <p:sldTgt/>
-                  </p:tgtEl>
-                </p:cond>
-              </p:nextCondLst>
-            </p:seq>
-          </p:childTnLst>
-        </p:cTn>
+        <p:cTn id="1" dur="indefinite" restart="never" nodeType="tmRoot"/>
       </p:par>
     </p:tnLst>
-    <p:bldLst>
-      <p:bldP spid="4" grpId="0" animBg="1"/>
-      <p:bldP spid="7" grpId="0" animBg="1"/>
-      <p:bldP spid="8" grpId="0" animBg="1"/>
-    </p:bldLst>
   </p:timing>
 </p:sld>
 </file>
@@ -6105,31 +5884,16 @@
               </a:tabLst>
             </a:pPr>
             <a:r>
-              <a:rPr lang="en-US" dirty="0"/>
-              <a:t>Top 15 </a:t>
+              <a:rPr lang="en-US" dirty="0" smtClean="0"/>
+              <a:t>backend</a:t>
             </a:r>
-            <a:r>
-              <a:rPr lang="en-US" dirty="0" err="1"/>
-              <a:t>nyc</a:t>
-            </a:r>
-            <a:r>
-              <a:rPr lang="en-US" dirty="0"/>
-              <a:t> agency budgets </a:t>
-            </a:r>
-            <a:r>
-              <a:rPr lang="en-US" dirty="0" smtClean="0"/>
-              <a:t>– Misc</a:t>
-            </a:r>
-            <a:r>
-              <a:rPr lang="en-US" dirty="0"/>
-              <a:t>.</a:t>
-            </a:r>
+            <a:endParaRPr lang="en-US" sz="2200" dirty="0"/>
           </a:p>
         </p:txBody>
       </p:sp>
       <p:sp>
         <p:nvSpPr>
-          <p:cNvPr id="9" name="Content Placeholder 2"/>
+          <p:cNvPr id="10" name="Content Placeholder 2"/>
           <p:cNvSpPr txBox="1">
             <a:spLocks/>
           </p:cNvSpPr>
@@ -6138,7 +5902,7 @@
         <p:spPr bwMode="auto">
           <a:xfrm>
             <a:off x="304800" y="838200"/>
-            <a:ext cx="8686800" cy="738664"/>
+            <a:ext cx="8686800" cy="338554"/>
           </a:xfrm>
           <a:prstGeom prst="rect">
             <a:avLst/>
@@ -6337,210 +6101,33 @@
               <a:buNone/>
             </a:pPr>
             <a:r>
-              <a:rPr lang="en-US" sz="1400" dirty="0" smtClean="0">
-                <a:solidFill>
-                  <a:schemeClr val="tx1"/>
+              <a:rPr lang="en-US" sz="1600" dirty="0" err="1" smtClean="0">
+                <a:solidFill>
+                  <a:srgbClr val="FF0000"/>
                 </a:solidFill>
               </a:rPr>
-              <a:t>Like any balance sheet, NYC agencies have a catch-all “miscellaneous” bucket </a:t>
+              <a:t>Javascript</a:t>
             </a:r>
             <a:r>
-              <a:rPr lang="en-US" sz="1400" dirty="0">
-                <a:solidFill>
-                  <a:schemeClr val="tx1"/>
+              <a:rPr lang="en-US" sz="1600" dirty="0" smtClean="0">
+                <a:solidFill>
+                  <a:srgbClr val="FF0000"/>
                 </a:solidFill>
               </a:rPr>
-              <a:t>to place </a:t>
+              <a:t> description here</a:t>
             </a:r>
-            <a:r>
-              <a:rPr lang="en-US" sz="1400" dirty="0" smtClean="0">
-                <a:solidFill>
-                  <a:schemeClr val="tx1"/>
-                </a:solidFill>
-              </a:rPr>
-              <a:t>any non-department </a:t>
-            </a:r>
-            <a:r>
-              <a:rPr lang="en-US" sz="1400" dirty="0">
-                <a:solidFill>
-                  <a:schemeClr val="tx1"/>
-                </a:solidFill>
-              </a:rPr>
-              <a:t>specific costs </a:t>
-            </a:r>
-            <a:r>
-              <a:rPr lang="en-US" sz="1400" dirty="0" smtClean="0">
-                <a:solidFill>
-                  <a:schemeClr val="tx1"/>
-                </a:solidFill>
-              </a:rPr>
-              <a:t>into and avoid going over-budget within their department. </a:t>
-            </a:r>
-            <a:r>
-              <a:rPr lang="en-US" sz="1400" dirty="0">
-                <a:solidFill>
-                  <a:schemeClr val="tx1"/>
-                </a:solidFill>
-              </a:rPr>
-              <a:t>T</a:t>
-            </a:r>
-            <a:r>
-              <a:rPr lang="en-US" sz="1400" dirty="0" smtClean="0">
-                <a:solidFill>
-                  <a:schemeClr val="tx1"/>
-                </a:solidFill>
-              </a:rPr>
-              <a:t>his city-wide bucket is the 3</a:t>
-            </a:r>
-            <a:r>
-              <a:rPr lang="en-US" sz="1400" baseline="30000" dirty="0" smtClean="0">
-                <a:solidFill>
-                  <a:schemeClr val="tx1"/>
-                </a:solidFill>
-              </a:rPr>
-              <a:t>rd</a:t>
-            </a:r>
-            <a:r>
-              <a:rPr lang="en-US" sz="1400" dirty="0">
-                <a:solidFill>
-                  <a:schemeClr val="tx1"/>
-                </a:solidFill>
-              </a:rPr>
-              <a:t> </a:t>
-            </a:r>
-            <a:r>
-              <a:rPr lang="en-US" sz="1400" dirty="0" smtClean="0">
-                <a:solidFill>
-                  <a:schemeClr val="tx1"/>
-                </a:solidFill>
-              </a:rPr>
-              <a:t>largest budget we saw. Breaking down the 2017 miscellaneous budget, we saw that most of the funds were fringe benefits. </a:t>
-            </a:r>
-            <a:endParaRPr lang="en-US" sz="1400" dirty="0">
+            <a:endParaRPr lang="en-US" sz="1600" dirty="0">
               <a:solidFill>
-                <a:schemeClr val="tx1"/>
+                <a:srgbClr val="FF0000"/>
               </a:solidFill>
             </a:endParaRPr>
-          </a:p>
-        </p:txBody>
-      </p:sp>
-      <p:pic>
-        <p:nvPicPr>
-          <p:cNvPr id="8" name="Picture 7"/>
-          <p:cNvPicPr>
-            <a:picLocks noChangeAspect="1"/>
-          </p:cNvPicPr>
-          <p:nvPr/>
-        </p:nvPicPr>
-        <p:blipFill rotWithShape="1">
-          <a:blip r:embed="rId3"/>
-          <a:srcRect b="1577"/>
-          <a:stretch/>
-        </p:blipFill>
-        <p:spPr>
-          <a:xfrm>
-            <a:off x="454694" y="3124200"/>
-            <a:ext cx="6096000" cy="2691332"/>
-          </a:xfrm>
-          <a:prstGeom prst="rect">
-            <a:avLst/>
-          </a:prstGeom>
-        </p:spPr>
-      </p:pic>
-      <p:cxnSp>
-        <p:nvCxnSpPr>
-          <p:cNvPr id="12" name="Straight Arrow Connector 11"/>
-          <p:cNvCxnSpPr/>
-          <p:nvPr/>
-        </p:nvCxnSpPr>
-        <p:spPr>
-          <a:xfrm>
-            <a:off x="6083968" y="3510482"/>
-            <a:ext cx="533400" cy="0"/>
-          </a:xfrm>
-          <a:prstGeom prst="straightConnector1">
-            <a:avLst/>
-          </a:prstGeom>
-          <a:ln>
-            <a:solidFill>
-              <a:srgbClr val="FF9933"/>
-            </a:solidFill>
-            <a:tailEnd type="triangle"/>
-          </a:ln>
-        </p:spPr>
-        <p:style>
-          <a:lnRef idx="1">
-            <a:schemeClr val="accent1"/>
-          </a:lnRef>
-          <a:fillRef idx="0">
-            <a:schemeClr val="accent1"/>
-          </a:fillRef>
-          <a:effectRef idx="0">
-            <a:schemeClr val="accent1"/>
-          </a:effectRef>
-          <a:fontRef idx="minor">
-            <a:schemeClr val="tx1"/>
-          </a:fontRef>
-        </p:style>
-      </p:cxnSp>
-      <p:sp>
-        <p:nvSpPr>
-          <p:cNvPr id="13" name="TextBox 12"/>
-          <p:cNvSpPr txBox="1"/>
-          <p:nvPr/>
-        </p:nvSpPr>
-        <p:spPr>
-          <a:xfrm>
-            <a:off x="6541168" y="3367607"/>
-            <a:ext cx="2286000" cy="830997"/>
-          </a:xfrm>
-          <a:prstGeom prst="rect">
-            <a:avLst/>
-          </a:prstGeom>
-          <a:noFill/>
-          <a:ln w="9525">
-            <a:noFill/>
-          </a:ln>
-        </p:spPr>
-        <p:style>
-          <a:lnRef idx="2">
-            <a:schemeClr val="accent1">
-              <a:shade val="50000"/>
-            </a:schemeClr>
-          </a:lnRef>
-          <a:fillRef idx="1">
-            <a:schemeClr val="accent1"/>
-          </a:fillRef>
-          <a:effectRef idx="0">
-            <a:schemeClr val="accent1"/>
-          </a:effectRef>
-          <a:fontRef idx="minor">
-            <a:schemeClr val="lt1"/>
-          </a:fontRef>
-        </p:style>
-        <p:txBody>
-          <a:bodyPr wrap="square" rtlCol="0" anchor="ctr">
-            <a:spAutoFit/>
-          </a:bodyPr>
-          <a:lstStyle/>
-          <a:p>
-            <a:pPr algn="ctr"/>
-            <a:r>
-              <a:rPr lang="en-US" sz="1200" dirty="0" smtClean="0">
-                <a:solidFill>
-                  <a:schemeClr val="tx1"/>
-                </a:solidFill>
-                <a:latin typeface="Tw Cen MT" panose="020B0602020104020603" pitchFamily="34" charset="0"/>
-              </a:rPr>
-              <a:t>Fringe Benefits are any type of non-salary income like medical insurance, vacation pay, meals, tuition reimbursement, etc.</a:t>
-            </a:r>
           </a:p>
         </p:txBody>
       </p:sp>
     </p:spTree>
     <p:extLst>
       <p:ext uri="{BB962C8B-B14F-4D97-AF65-F5344CB8AC3E}">
-        <p14:creationId xmlns:p14="http://schemas.microsoft.com/office/powerpoint/2010/main" val="866606421"/>
+        <p14:creationId xmlns:p14="http://schemas.microsoft.com/office/powerpoint/2010/main" val="587855370"/>
       </p:ext>
     </p:extLst>
   </p:cSld>
@@ -6579,875 +6166,111 @@
       </p:grpSpPr>
       <p:sp>
         <p:nvSpPr>
-          <p:cNvPr id="3" name="Title 1"/>
+          <p:cNvPr id="9" name="Subtitle 8"/>
           <p:cNvSpPr>
             <a:spLocks noGrp="1"/>
           </p:cNvSpPr>
           <p:nvPr>
-            <p:ph type="title"/>
+            <p:ph type="subTitle" idx="1"/>
           </p:nvPr>
         </p:nvSpPr>
         <p:spPr>
           <a:xfrm>
-            <a:off x="304800" y="44301"/>
-            <a:ext cx="8534400" cy="793899"/>
+            <a:off x="0" y="2677433"/>
+            <a:ext cx="9144000" cy="707886"/>
           </a:xfrm>
-          <a:noFill/>
-          <a:ln w="9525">
-            <a:noFill/>
-            <a:miter lim="800000"/>
-            <a:headEnd/>
-            <a:tailEnd/>
-          </a:ln>
         </p:spPr>
         <p:txBody>
-          <a:bodyPr vert="horz" wrap="square" lIns="91440" tIns="45720" rIns="91440" bIns="45720" numCol="1" anchor="b" anchorCtr="0" compatLnSpc="1">
-            <a:prstTxWarp prst="textNoShape">
-              <a:avLst/>
-            </a:prstTxWarp>
-          </a:bodyPr>
+          <a:bodyPr/>
           <a:lstStyle/>
           <a:p>
             <a:pPr>
-              <a:tabLst>
-                <a:tab pos="3543300" algn="l"/>
-              </a:tabLst>
+              <a:spcBef>
+                <a:spcPts val="0"/>
+              </a:spcBef>
             </a:pPr>
             <a:r>
-              <a:rPr lang="en-US" dirty="0" smtClean="0"/>
-              <a:t>Top 5 spend on total, base, overtime salary</a:t>
+              <a:rPr lang="en-US" sz="4000" dirty="0" smtClean="0"/>
+              <a:t>Let’s check out the front end</a:t>
             </a:r>
-            <a:endParaRPr lang="en-US" sz="2200" dirty="0"/>
+            <a:endParaRPr lang="en-US" sz="1500" dirty="0" smtClean="0"/>
           </a:p>
         </p:txBody>
       </p:sp>
-      <p:sp>
-        <p:nvSpPr>
-          <p:cNvPr id="6" name="Content Placeholder 2"/>
-          <p:cNvSpPr txBox="1">
-            <a:spLocks/>
-          </p:cNvSpPr>
+      <p:cxnSp>
+        <p:nvCxnSpPr>
+          <p:cNvPr id="3" name="Straight Connector 2"/>
+          <p:cNvCxnSpPr/>
           <p:nvPr/>
-        </p:nvSpPr>
-        <p:spPr bwMode="auto">
+        </p:nvCxnSpPr>
+        <p:spPr>
           <a:xfrm>
-            <a:off x="247894" y="866775"/>
-            <a:ext cx="8591305" cy="738664"/>
+            <a:off x="0" y="3398129"/>
+            <a:ext cx="8915400" cy="0"/>
           </a:xfrm>
-          <a:prstGeom prst="rect">
+          <a:prstGeom prst="line">
             <a:avLst/>
           </a:prstGeom>
-          <a:noFill/>
-          <a:ln w="9525">
-            <a:noFill/>
-            <a:miter lim="800000"/>
-            <a:headEnd/>
-            <a:tailEnd/>
-          </a:ln>
-        </p:spPr>
-        <p:txBody>
-          <a:bodyPr vert="horz" wrap="square" lIns="91440" tIns="45720" rIns="91440" bIns="45720" numCol="1" anchor="t" anchorCtr="0" compatLnSpc="1">
-            <a:prstTxWarp prst="textNoShape">
-              <a:avLst/>
-            </a:prstTxWarp>
-            <a:spAutoFit/>
-          </a:bodyPr>
-          <a:lstStyle>
-            <a:lvl1pPr marL="287338" indent="-287338" algn="l" rtl="0" eaLnBrk="0" fontAlgn="base" hangingPunct="0">
-              <a:spcBef>
-                <a:spcPct val="50000"/>
-              </a:spcBef>
-              <a:spcAft>
-                <a:spcPct val="0"/>
-              </a:spcAft>
-              <a:buClr>
-                <a:srgbClr val="8CBAD2"/>
-              </a:buClr>
-              <a:buChar char="•"/>
-              <a:defRPr sz="2200">
-                <a:solidFill>
-                  <a:srgbClr val="4D4D4D"/>
-                </a:solidFill>
-                <a:latin typeface="Tw Cen MT" panose="020B0602020104020603" pitchFamily="34" charset="0"/>
-                <a:ea typeface="+mn-ea"/>
-                <a:cs typeface="+mn-cs"/>
-              </a:defRPr>
-            </a:lvl1pPr>
-            <a:lvl2pPr marL="747713" indent="-290513" algn="l" rtl="0" eaLnBrk="0" fontAlgn="base" hangingPunct="0">
-              <a:spcBef>
-                <a:spcPct val="20000"/>
-              </a:spcBef>
-              <a:spcAft>
-                <a:spcPct val="0"/>
-              </a:spcAft>
-              <a:buClr>
-                <a:srgbClr val="8CBAD2"/>
-              </a:buClr>
-              <a:buChar char="–"/>
-              <a:defRPr sz="2000">
-                <a:solidFill>
-                  <a:srgbClr val="4D4D4D"/>
-                </a:solidFill>
-                <a:latin typeface="Tw Cen MT" panose="020B0602020104020603" pitchFamily="34" charset="0"/>
-                <a:cs typeface="+mn-cs"/>
-              </a:defRPr>
-            </a:lvl2pPr>
-            <a:lvl3pPr marL="1143000" indent="-228600" algn="l" rtl="0" eaLnBrk="0" fontAlgn="base" hangingPunct="0">
-              <a:spcBef>
-                <a:spcPct val="20000"/>
-              </a:spcBef>
-              <a:spcAft>
-                <a:spcPct val="0"/>
-              </a:spcAft>
-              <a:buClr>
-                <a:srgbClr val="8CBAD2"/>
-              </a:buClr>
-              <a:buChar char="•"/>
-              <a:defRPr sz="1800">
-                <a:solidFill>
-                  <a:srgbClr val="4D4D4D"/>
-                </a:solidFill>
-                <a:latin typeface="Tw Cen MT" panose="020B0602020104020603" pitchFamily="34" charset="0"/>
-                <a:cs typeface="+mn-cs"/>
-              </a:defRPr>
-            </a:lvl3pPr>
-            <a:lvl4pPr marL="1600200" indent="-228600" algn="l" rtl="0" eaLnBrk="0" fontAlgn="base" hangingPunct="0">
-              <a:spcBef>
-                <a:spcPct val="20000"/>
-              </a:spcBef>
-              <a:spcAft>
-                <a:spcPct val="0"/>
-              </a:spcAft>
-              <a:buClr>
-                <a:srgbClr val="8CBAD2"/>
-              </a:buClr>
-              <a:buChar char="–"/>
-              <a:defRPr sz="1600">
-                <a:solidFill>
-                  <a:srgbClr val="4D4D4D"/>
-                </a:solidFill>
-                <a:latin typeface="Tw Cen MT" panose="020B0602020104020603" pitchFamily="34" charset="0"/>
-                <a:cs typeface="+mn-cs"/>
-              </a:defRPr>
-            </a:lvl4pPr>
-            <a:lvl5pPr marL="2057400" indent="-228600" algn="l" rtl="0" eaLnBrk="0" fontAlgn="base" hangingPunct="0">
-              <a:spcBef>
-                <a:spcPct val="20000"/>
-              </a:spcBef>
-              <a:spcAft>
-                <a:spcPct val="0"/>
-              </a:spcAft>
-              <a:buClr>
-                <a:srgbClr val="8CBAD2"/>
-              </a:buClr>
-              <a:buChar char="»"/>
-              <a:defRPr sz="1600">
-                <a:solidFill>
-                  <a:srgbClr val="4D4D4D"/>
-                </a:solidFill>
-                <a:latin typeface="Tw Cen MT" panose="020B0602020104020603" pitchFamily="34" charset="0"/>
-                <a:cs typeface="+mn-cs"/>
-              </a:defRPr>
-            </a:lvl5pPr>
-            <a:lvl6pPr marL="2514600" indent="-228600" algn="l" rtl="0" fontAlgn="base">
-              <a:spcBef>
-                <a:spcPct val="20000"/>
-              </a:spcBef>
-              <a:spcAft>
-                <a:spcPct val="0"/>
-              </a:spcAft>
-              <a:buClr>
-                <a:srgbClr val="77ABED"/>
-              </a:buClr>
-              <a:buChar char="»"/>
-              <a:defRPr sz="2200">
-                <a:solidFill>
-                  <a:srgbClr val="4D4D4D"/>
-                </a:solidFill>
-                <a:latin typeface="+mn-lt"/>
-                <a:cs typeface="+mn-cs"/>
-              </a:defRPr>
-            </a:lvl6pPr>
-            <a:lvl7pPr marL="2971800" indent="-228600" algn="l" rtl="0" fontAlgn="base">
-              <a:spcBef>
-                <a:spcPct val="20000"/>
-              </a:spcBef>
-              <a:spcAft>
-                <a:spcPct val="0"/>
-              </a:spcAft>
-              <a:buClr>
-                <a:srgbClr val="77ABED"/>
-              </a:buClr>
-              <a:buChar char="»"/>
-              <a:defRPr sz="2200">
-                <a:solidFill>
-                  <a:srgbClr val="4D4D4D"/>
-                </a:solidFill>
-                <a:latin typeface="+mn-lt"/>
-                <a:cs typeface="+mn-cs"/>
-              </a:defRPr>
-            </a:lvl7pPr>
-            <a:lvl8pPr marL="3429000" indent="-228600" algn="l" rtl="0" fontAlgn="base">
-              <a:spcBef>
-                <a:spcPct val="20000"/>
-              </a:spcBef>
-              <a:spcAft>
-                <a:spcPct val="0"/>
-              </a:spcAft>
-              <a:buClr>
-                <a:srgbClr val="77ABED"/>
-              </a:buClr>
-              <a:buChar char="»"/>
-              <a:defRPr sz="2200">
-                <a:solidFill>
-                  <a:srgbClr val="4D4D4D"/>
-                </a:solidFill>
-                <a:latin typeface="+mn-lt"/>
-                <a:cs typeface="+mn-cs"/>
-              </a:defRPr>
-            </a:lvl8pPr>
-            <a:lvl9pPr marL="3886200" indent="-228600" algn="l" rtl="0" fontAlgn="base">
-              <a:spcBef>
-                <a:spcPct val="20000"/>
-              </a:spcBef>
-              <a:spcAft>
-                <a:spcPct val="0"/>
-              </a:spcAft>
-              <a:buClr>
-                <a:srgbClr val="77ABED"/>
-              </a:buClr>
-              <a:buChar char="»"/>
-              <a:defRPr sz="2200">
-                <a:solidFill>
-                  <a:srgbClr val="4D4D4D"/>
-                </a:solidFill>
-                <a:latin typeface="+mn-lt"/>
-                <a:cs typeface="+mn-cs"/>
-              </a:defRPr>
-            </a:lvl9pPr>
-          </a:lstStyle>
-          <a:p>
-            <a:pPr marL="0" indent="-115887">
-              <a:buNone/>
-            </a:pPr>
-            <a:r>
-              <a:rPr lang="en-US" sz="1400" dirty="0" smtClean="0">
-                <a:solidFill>
-                  <a:schemeClr val="tx1"/>
-                </a:solidFill>
-              </a:rPr>
-              <a:t>Among the top 5 agencies with the largest total salaries, two are part of the department of education and the other 3 are the police </a:t>
-            </a:r>
-            <a:r>
-              <a:rPr lang="en-US" sz="1400" dirty="0">
-                <a:solidFill>
-                  <a:schemeClr val="tx1"/>
-                </a:solidFill>
-              </a:rPr>
-              <a:t>dept., </a:t>
-            </a:r>
-            <a:r>
-              <a:rPr lang="en-US" sz="1400" dirty="0" smtClean="0">
-                <a:solidFill>
-                  <a:schemeClr val="tx1"/>
-                </a:solidFill>
-              </a:rPr>
-              <a:t>fire </a:t>
-            </a:r>
-            <a:r>
-              <a:rPr lang="en-US" sz="1400" dirty="0">
-                <a:solidFill>
-                  <a:schemeClr val="tx1"/>
-                </a:solidFill>
-              </a:rPr>
-              <a:t>dept., </a:t>
-            </a:r>
-            <a:r>
-              <a:rPr lang="en-US" sz="1400" dirty="0" smtClean="0">
-                <a:solidFill>
-                  <a:schemeClr val="tx1"/>
-                </a:solidFill>
-              </a:rPr>
-              <a:t>and </a:t>
-            </a:r>
-            <a:r>
-              <a:rPr lang="en-US" sz="1400" dirty="0">
-                <a:solidFill>
-                  <a:schemeClr val="tx1"/>
-                </a:solidFill>
-              </a:rPr>
-              <a:t>dept</a:t>
-            </a:r>
-            <a:r>
-              <a:rPr lang="en-US" sz="1400" dirty="0" smtClean="0">
-                <a:solidFill>
-                  <a:schemeClr val="tx1"/>
-                </a:solidFill>
-              </a:rPr>
-              <a:t>. of corrections. When looking solely at overtime pay, the police dept., fire dept., and dept. of corrections jump up to the top 3 agency slots.</a:t>
-            </a:r>
-          </a:p>
-        </p:txBody>
-      </p:sp>
-      <p:pic>
-        <p:nvPicPr>
-          <p:cNvPr id="13" name="Picture 12"/>
-          <p:cNvPicPr>
-            <a:picLocks noChangeAspect="1"/>
-          </p:cNvPicPr>
-          <p:nvPr/>
-        </p:nvPicPr>
-        <p:blipFill rotWithShape="1">
-          <a:blip r:embed="rId3" cstate="print">
-            <a:extLst>
-              <a:ext uri="{28A0092B-C50C-407E-A947-70E740481C1C}">
-                <a14:useLocalDpi xmlns:a14="http://schemas.microsoft.com/office/drawing/2010/main" val="0"/>
-              </a:ext>
-            </a:extLst>
-          </a:blip>
-          <a:srcRect t="1166"/>
-          <a:stretch/>
-        </p:blipFill>
-        <p:spPr>
-          <a:xfrm>
-            <a:off x="228600" y="2736381"/>
-            <a:ext cx="2912933" cy="3139694"/>
-          </a:xfrm>
-          <a:prstGeom prst="rect">
-            <a:avLst/>
-          </a:prstGeom>
-          <a:ln>
-            <a:noFill/>
-          </a:ln>
-        </p:spPr>
-      </p:pic>
-      <p:pic>
-        <p:nvPicPr>
-          <p:cNvPr id="17" name="Picture 16"/>
-          <p:cNvPicPr>
-            <a:picLocks noChangeAspect="1"/>
-          </p:cNvPicPr>
-          <p:nvPr/>
-        </p:nvPicPr>
-        <p:blipFill rotWithShape="1">
-          <a:blip r:embed="rId4" cstate="print">
-            <a:extLst>
-              <a:ext uri="{28A0092B-C50C-407E-A947-70E740481C1C}">
-                <a14:useLocalDpi xmlns:a14="http://schemas.microsoft.com/office/drawing/2010/main" val="0"/>
-              </a:ext>
-            </a:extLst>
-          </a:blip>
-          <a:srcRect t="1780" r="7143"/>
-          <a:stretch/>
-        </p:blipFill>
-        <p:spPr>
-          <a:xfrm>
-            <a:off x="3155527" y="2755434"/>
-            <a:ext cx="2988759" cy="3139891"/>
-          </a:xfrm>
-          <a:prstGeom prst="rect">
-            <a:avLst/>
-          </a:prstGeom>
-        </p:spPr>
-      </p:pic>
-      <p:pic>
-        <p:nvPicPr>
-          <p:cNvPr id="14" name="Picture 13"/>
-          <p:cNvPicPr>
-            <a:picLocks noChangeAspect="1"/>
-          </p:cNvPicPr>
-          <p:nvPr/>
-        </p:nvPicPr>
-        <p:blipFill rotWithShape="1">
-          <a:blip r:embed="rId5" cstate="print">
-            <a:extLst>
-              <a:ext uri="{28A0092B-C50C-407E-A947-70E740481C1C}">
-                <a14:useLocalDpi xmlns:a14="http://schemas.microsoft.com/office/drawing/2010/main" val="0"/>
-              </a:ext>
-            </a:extLst>
-          </a:blip>
-          <a:srcRect t="1563" r="7479"/>
-          <a:stretch/>
-        </p:blipFill>
-        <p:spPr>
-          <a:xfrm>
-            <a:off x="6017079" y="2743200"/>
-            <a:ext cx="2907549" cy="3017246"/>
-          </a:xfrm>
-          <a:prstGeom prst="rect">
-            <a:avLst/>
-          </a:prstGeom>
-          <a:ln>
-            <a:noFill/>
-          </a:ln>
-        </p:spPr>
-      </p:pic>
-      <p:sp>
-        <p:nvSpPr>
-          <p:cNvPr id="2" name="Rectangle 1"/>
-          <p:cNvSpPr/>
-          <p:nvPr/>
-        </p:nvSpPr>
-        <p:spPr>
-          <a:xfrm>
-            <a:off x="1150951" y="4541246"/>
-            <a:ext cx="228600" cy="945154"/>
-          </a:xfrm>
-          <a:prstGeom prst="rect">
-            <a:avLst/>
-          </a:prstGeom>
-          <a:noFill/>
-          <a:ln w="12700">
+          <a:ln w="19050">
             <a:solidFill>
-              <a:srgbClr val="002060"/>
+              <a:srgbClr val="44546A"/>
             </a:solidFill>
           </a:ln>
         </p:spPr>
         <p:style>
-          <a:lnRef idx="2">
-            <a:schemeClr val="accent1">
-              <a:shade val="50000"/>
-            </a:schemeClr>
+          <a:lnRef idx="1">
+            <a:schemeClr val="accent1"/>
           </a:lnRef>
-          <a:fillRef idx="1">
+          <a:fillRef idx="0">
             <a:schemeClr val="accent1"/>
           </a:fillRef>
           <a:effectRef idx="0">
             <a:schemeClr val="accent1"/>
           </a:effectRef>
           <a:fontRef idx="minor">
-            <a:schemeClr val="lt1"/>
+            <a:schemeClr val="tx1"/>
           </a:fontRef>
         </p:style>
-        <p:txBody>
-          <a:bodyPr rtlCol="0" anchor="ctr"/>
-          <a:lstStyle/>
-          <a:p>
-            <a:pPr algn="ctr"/>
-            <a:endParaRPr lang="en-US" dirty="0" smtClean="0">
-              <a:solidFill>
-                <a:schemeClr val="tx1"/>
-              </a:solidFill>
-            </a:endParaRPr>
-          </a:p>
-        </p:txBody>
-      </p:sp>
-      <p:sp>
-        <p:nvSpPr>
-          <p:cNvPr id="8" name="Rectangle 7"/>
-          <p:cNvSpPr/>
+      </p:cxnSp>
+      <p:cxnSp>
+        <p:nvCxnSpPr>
+          <p:cNvPr id="4" name="Straight Connector 3"/>
+          <p:cNvCxnSpPr/>
           <p:nvPr/>
-        </p:nvSpPr>
+        </p:nvCxnSpPr>
         <p:spPr>
-          <a:xfrm>
-            <a:off x="1615752" y="4541246"/>
-            <a:ext cx="228600" cy="792754"/>
+          <a:xfrm flipV="1">
+            <a:off x="224592" y="3449238"/>
+            <a:ext cx="8919408" cy="0"/>
           </a:xfrm>
-          <a:prstGeom prst="rect">
+          <a:prstGeom prst="line">
             <a:avLst/>
           </a:prstGeom>
-          <a:noFill/>
-          <a:ln w="12700">
+          <a:ln w="19050">
             <a:solidFill>
-              <a:schemeClr val="accent3">
-                <a:lumMod val="50000"/>
-              </a:schemeClr>
+              <a:srgbClr val="44546A"/>
             </a:solidFill>
           </a:ln>
         </p:spPr>
         <p:style>
-          <a:lnRef idx="2">
-            <a:schemeClr val="accent1">
-              <a:shade val="50000"/>
-            </a:schemeClr>
+          <a:lnRef idx="1">
+            <a:schemeClr val="accent1"/>
           </a:lnRef>
-          <a:fillRef idx="1">
+          <a:fillRef idx="0">
             <a:schemeClr val="accent1"/>
           </a:fillRef>
           <a:effectRef idx="0">
             <a:schemeClr val="accent1"/>
           </a:effectRef>
           <a:fontRef idx="minor">
-            <a:schemeClr val="lt1"/>
+            <a:schemeClr val="tx1"/>
           </a:fontRef>
         </p:style>
-        <p:txBody>
-          <a:bodyPr rtlCol="0" anchor="ctr"/>
-          <a:lstStyle/>
-          <a:p>
-            <a:pPr algn="ctr"/>
-            <a:endParaRPr lang="en-US" dirty="0" smtClean="0">
-              <a:solidFill>
-                <a:schemeClr val="tx1"/>
-              </a:solidFill>
-            </a:endParaRPr>
-          </a:p>
-        </p:txBody>
-      </p:sp>
-      <p:sp>
-        <p:nvSpPr>
-          <p:cNvPr id="9" name="Rectangle 8"/>
-          <p:cNvSpPr/>
-          <p:nvPr/>
-        </p:nvSpPr>
-        <p:spPr>
-          <a:xfrm>
-            <a:off x="4605598" y="4541246"/>
-            <a:ext cx="228600" cy="792754"/>
-          </a:xfrm>
-          <a:prstGeom prst="rect">
-            <a:avLst/>
-          </a:prstGeom>
-          <a:noFill/>
-          <a:ln w="12700">
-            <a:solidFill>
-              <a:schemeClr val="accent3">
-                <a:lumMod val="50000"/>
-              </a:schemeClr>
-            </a:solidFill>
-          </a:ln>
-        </p:spPr>
-        <p:style>
-          <a:lnRef idx="2">
-            <a:schemeClr val="accent1">
-              <a:shade val="50000"/>
-            </a:schemeClr>
-          </a:lnRef>
-          <a:fillRef idx="1">
-            <a:schemeClr val="accent1"/>
-          </a:fillRef>
-          <a:effectRef idx="0">
-            <a:schemeClr val="accent1"/>
-          </a:effectRef>
-          <a:fontRef idx="minor">
-            <a:schemeClr val="lt1"/>
-          </a:fontRef>
-        </p:style>
-        <p:txBody>
-          <a:bodyPr rtlCol="0" anchor="ctr"/>
-          <a:lstStyle/>
-          <a:p>
-            <a:pPr algn="ctr"/>
-            <a:endParaRPr lang="en-US" dirty="0" smtClean="0">
-              <a:solidFill>
-                <a:schemeClr val="tx1"/>
-              </a:solidFill>
-            </a:endParaRPr>
-          </a:p>
-        </p:txBody>
-      </p:sp>
-      <p:sp>
-        <p:nvSpPr>
-          <p:cNvPr id="10" name="Rectangle 9"/>
-          <p:cNvSpPr/>
-          <p:nvPr/>
-        </p:nvSpPr>
-        <p:spPr>
-          <a:xfrm>
-            <a:off x="7010400" y="4541246"/>
-            <a:ext cx="228600" cy="792754"/>
-          </a:xfrm>
-          <a:prstGeom prst="rect">
-            <a:avLst/>
-          </a:prstGeom>
-          <a:noFill/>
-          <a:ln w="12700">
-            <a:solidFill>
-              <a:schemeClr val="accent3">
-                <a:lumMod val="50000"/>
-              </a:schemeClr>
-            </a:solidFill>
-          </a:ln>
-        </p:spPr>
-        <p:style>
-          <a:lnRef idx="2">
-            <a:schemeClr val="accent1">
-              <a:shade val="50000"/>
-            </a:schemeClr>
-          </a:lnRef>
-          <a:fillRef idx="1">
-            <a:schemeClr val="accent1"/>
-          </a:fillRef>
-          <a:effectRef idx="0">
-            <a:schemeClr val="accent1"/>
-          </a:effectRef>
-          <a:fontRef idx="minor">
-            <a:schemeClr val="lt1"/>
-          </a:fontRef>
-        </p:style>
-        <p:txBody>
-          <a:bodyPr rtlCol="0" anchor="ctr"/>
-          <a:lstStyle/>
-          <a:p>
-            <a:pPr algn="ctr"/>
-            <a:endParaRPr lang="en-US" dirty="0" smtClean="0">
-              <a:solidFill>
-                <a:schemeClr val="tx1"/>
-              </a:solidFill>
-            </a:endParaRPr>
-          </a:p>
-        </p:txBody>
-      </p:sp>
-      <p:sp>
-        <p:nvSpPr>
-          <p:cNvPr id="11" name="Rectangle 10"/>
-          <p:cNvSpPr/>
-          <p:nvPr/>
-        </p:nvSpPr>
-        <p:spPr>
-          <a:xfrm>
-            <a:off x="4116944" y="4541246"/>
-            <a:ext cx="228600" cy="945154"/>
-          </a:xfrm>
-          <a:prstGeom prst="rect">
-            <a:avLst/>
-          </a:prstGeom>
-          <a:noFill/>
-          <a:ln w="12700">
-            <a:solidFill>
-              <a:srgbClr val="002060"/>
-            </a:solidFill>
-          </a:ln>
-        </p:spPr>
-        <p:style>
-          <a:lnRef idx="2">
-            <a:schemeClr val="accent1">
-              <a:shade val="50000"/>
-            </a:schemeClr>
-          </a:lnRef>
-          <a:fillRef idx="1">
-            <a:schemeClr val="accent1"/>
-          </a:fillRef>
-          <a:effectRef idx="0">
-            <a:schemeClr val="accent1"/>
-          </a:effectRef>
-          <a:fontRef idx="minor">
-            <a:schemeClr val="lt1"/>
-          </a:fontRef>
-        </p:style>
-        <p:txBody>
-          <a:bodyPr rtlCol="0" anchor="ctr"/>
-          <a:lstStyle/>
-          <a:p>
-            <a:pPr algn="ctr"/>
-            <a:endParaRPr lang="en-US" dirty="0" smtClean="0">
-              <a:solidFill>
-                <a:schemeClr val="tx1"/>
-              </a:solidFill>
-            </a:endParaRPr>
-          </a:p>
-        </p:txBody>
-      </p:sp>
-      <p:sp>
-        <p:nvSpPr>
-          <p:cNvPr id="12" name="Rectangle 11"/>
-          <p:cNvSpPr/>
-          <p:nvPr/>
-        </p:nvSpPr>
-        <p:spPr>
-          <a:xfrm>
-            <a:off x="6507126" y="4541246"/>
-            <a:ext cx="228600" cy="945154"/>
-          </a:xfrm>
-          <a:prstGeom prst="rect">
-            <a:avLst/>
-          </a:prstGeom>
-          <a:noFill/>
-          <a:ln w="12700">
-            <a:solidFill>
-              <a:srgbClr val="002060"/>
-            </a:solidFill>
-          </a:ln>
-        </p:spPr>
-        <p:style>
-          <a:lnRef idx="2">
-            <a:schemeClr val="accent1">
-              <a:shade val="50000"/>
-            </a:schemeClr>
-          </a:lnRef>
-          <a:fillRef idx="1">
-            <a:schemeClr val="accent1"/>
-          </a:fillRef>
-          <a:effectRef idx="0">
-            <a:schemeClr val="accent1"/>
-          </a:effectRef>
-          <a:fontRef idx="minor">
-            <a:schemeClr val="lt1"/>
-          </a:fontRef>
-        </p:style>
-        <p:txBody>
-          <a:bodyPr rtlCol="0" anchor="ctr"/>
-          <a:lstStyle/>
-          <a:p>
-            <a:pPr algn="ctr"/>
-            <a:endParaRPr lang="en-US" dirty="0" smtClean="0">
-              <a:solidFill>
-                <a:schemeClr val="tx1"/>
-              </a:solidFill>
-            </a:endParaRPr>
-          </a:p>
-        </p:txBody>
-      </p:sp>
-      <p:sp>
-        <p:nvSpPr>
-          <p:cNvPr id="15" name="Rectangle 14"/>
-          <p:cNvSpPr/>
-          <p:nvPr/>
-        </p:nvSpPr>
-        <p:spPr>
-          <a:xfrm>
-            <a:off x="7420156" y="4541246"/>
-            <a:ext cx="275593" cy="1219200"/>
-          </a:xfrm>
-          <a:prstGeom prst="rect">
-            <a:avLst/>
-          </a:prstGeom>
-          <a:noFill/>
-          <a:ln w="12700">
-            <a:solidFill>
-              <a:schemeClr val="accent4">
-                <a:lumMod val="75000"/>
-              </a:schemeClr>
-            </a:solidFill>
-          </a:ln>
-        </p:spPr>
-        <p:style>
-          <a:lnRef idx="2">
-            <a:schemeClr val="accent1">
-              <a:shade val="50000"/>
-            </a:schemeClr>
-          </a:lnRef>
-          <a:fillRef idx="1">
-            <a:schemeClr val="accent1"/>
-          </a:fillRef>
-          <a:effectRef idx="0">
-            <a:schemeClr val="accent1"/>
-          </a:effectRef>
-          <a:fontRef idx="minor">
-            <a:schemeClr val="lt1"/>
-          </a:fontRef>
-        </p:style>
-        <p:txBody>
-          <a:bodyPr rtlCol="0" anchor="ctr"/>
-          <a:lstStyle/>
-          <a:p>
-            <a:pPr algn="ctr"/>
-            <a:endParaRPr lang="en-US" dirty="0" smtClean="0">
-              <a:solidFill>
-                <a:schemeClr val="tx1"/>
-              </a:solidFill>
-            </a:endParaRPr>
-          </a:p>
-        </p:txBody>
-      </p:sp>
-      <p:sp>
-        <p:nvSpPr>
-          <p:cNvPr id="16" name="Rectangle 15"/>
-          <p:cNvSpPr/>
-          <p:nvPr/>
-        </p:nvSpPr>
-        <p:spPr>
-          <a:xfrm>
-            <a:off x="5466353" y="4541246"/>
-            <a:ext cx="275593" cy="1219200"/>
-          </a:xfrm>
-          <a:prstGeom prst="rect">
-            <a:avLst/>
-          </a:prstGeom>
-          <a:noFill/>
-          <a:ln w="12700">
-            <a:solidFill>
-              <a:schemeClr val="accent4">
-                <a:lumMod val="75000"/>
-              </a:schemeClr>
-            </a:solidFill>
-          </a:ln>
-        </p:spPr>
-        <p:style>
-          <a:lnRef idx="2">
-            <a:schemeClr val="accent1">
-              <a:shade val="50000"/>
-            </a:schemeClr>
-          </a:lnRef>
-          <a:fillRef idx="1">
-            <a:schemeClr val="accent1"/>
-          </a:fillRef>
-          <a:effectRef idx="0">
-            <a:schemeClr val="accent1"/>
-          </a:effectRef>
-          <a:fontRef idx="minor">
-            <a:schemeClr val="lt1"/>
-          </a:fontRef>
-        </p:style>
-        <p:txBody>
-          <a:bodyPr rtlCol="0" anchor="ctr"/>
-          <a:lstStyle/>
-          <a:p>
-            <a:pPr algn="ctr"/>
-            <a:endParaRPr lang="en-US" dirty="0" smtClean="0">
-              <a:solidFill>
-                <a:schemeClr val="tx1"/>
-              </a:solidFill>
-            </a:endParaRPr>
-          </a:p>
-        </p:txBody>
-      </p:sp>
-      <p:sp>
-        <p:nvSpPr>
-          <p:cNvPr id="18" name="Rectangle 17"/>
-          <p:cNvSpPr/>
-          <p:nvPr/>
-        </p:nvSpPr>
-        <p:spPr>
-          <a:xfrm>
-            <a:off x="2046118" y="4536502"/>
-            <a:ext cx="275593" cy="1219200"/>
-          </a:xfrm>
-          <a:prstGeom prst="rect">
-            <a:avLst/>
-          </a:prstGeom>
-          <a:noFill/>
-          <a:ln w="12700">
-            <a:solidFill>
-              <a:schemeClr val="accent4">
-                <a:lumMod val="75000"/>
-              </a:schemeClr>
-            </a:solidFill>
-          </a:ln>
-        </p:spPr>
-        <p:style>
-          <a:lnRef idx="2">
-            <a:schemeClr val="accent1">
-              <a:shade val="50000"/>
-            </a:schemeClr>
-          </a:lnRef>
-          <a:fillRef idx="1">
-            <a:schemeClr val="accent1"/>
-          </a:fillRef>
-          <a:effectRef idx="0">
-            <a:schemeClr val="accent1"/>
-          </a:effectRef>
-          <a:fontRef idx="minor">
-            <a:schemeClr val="lt1"/>
-          </a:fontRef>
-        </p:style>
-        <p:txBody>
-          <a:bodyPr rtlCol="0" anchor="ctr"/>
-          <a:lstStyle/>
-          <a:p>
-            <a:pPr algn="ctr"/>
-            <a:endParaRPr lang="en-US" dirty="0" smtClean="0">
-              <a:solidFill>
-                <a:schemeClr val="tx1"/>
-              </a:solidFill>
-            </a:endParaRPr>
-          </a:p>
-        </p:txBody>
-      </p:sp>
+      </p:cxnSp>
     </p:spTree>
     <p:extLst>
       <p:ext uri="{BB962C8B-B14F-4D97-AF65-F5344CB8AC3E}">
-        <p14:creationId xmlns:p14="http://schemas.microsoft.com/office/powerpoint/2010/main" val="528649377"/>
+        <p14:creationId xmlns:p14="http://schemas.microsoft.com/office/powerpoint/2010/main" val="1473982346"/>
       </p:ext>
     </p:extLst>
   </p:cSld>
@@ -7460,718 +6283,9 @@
   <p:timing>
     <p:tnLst>
       <p:par>
-        <p:cTn id="1" dur="indefinite" restart="never" nodeType="tmRoot">
-          <p:childTnLst>
-            <p:seq concurrent="1" nextAc="seek">
-              <p:cTn id="2" dur="indefinite" nodeType="mainSeq">
-                <p:childTnLst>
-                  <p:par>
-                    <p:cTn id="3" fill="hold">
-                      <p:stCondLst>
-                        <p:cond delay="indefinite"/>
-                      </p:stCondLst>
-                      <p:childTnLst>
-                        <p:par>
-                          <p:cTn id="4" fill="hold">
-                            <p:stCondLst>
-                              <p:cond delay="0"/>
-                            </p:stCondLst>
-                            <p:childTnLst>
-                              <p:par>
-                                <p:cTn id="5" presetID="2" presetClass="entr" presetSubtype="4" fill="hold" grpId="0" nodeType="clickEffect">
-                                  <p:stCondLst>
-                                    <p:cond delay="0"/>
-                                  </p:stCondLst>
-                                  <p:childTnLst>
-                                    <p:set>
-                                      <p:cBhvr>
-                                        <p:cTn id="6" dur="1" fill="hold">
-                                          <p:stCondLst>
-                                            <p:cond delay="0"/>
-                                          </p:stCondLst>
-                                        </p:cTn>
-                                        <p:tgtEl>
-                                          <p:spTgt spid="2"/>
-                                        </p:tgtEl>
-                                        <p:attrNameLst>
-                                          <p:attrName>style.visibility</p:attrName>
-                                        </p:attrNameLst>
-                                      </p:cBhvr>
-                                      <p:to>
-                                        <p:strVal val="visible"/>
-                                      </p:to>
-                                    </p:set>
-                                    <p:anim calcmode="lin" valueType="num">
-                                      <p:cBhvr additive="base">
-                                        <p:cTn id="7" dur="500" fill="hold"/>
-                                        <p:tgtEl>
-                                          <p:spTgt spid="2"/>
-                                        </p:tgtEl>
-                                        <p:attrNameLst>
-                                          <p:attrName>ppt_x</p:attrName>
-                                        </p:attrNameLst>
-                                      </p:cBhvr>
-                                      <p:tavLst>
-                                        <p:tav tm="0">
-                                          <p:val>
-                                            <p:strVal val="#ppt_x"/>
-                                          </p:val>
-                                        </p:tav>
-                                        <p:tav tm="100000">
-                                          <p:val>
-                                            <p:strVal val="#ppt_x"/>
-                                          </p:val>
-                                        </p:tav>
-                                      </p:tavLst>
-                                    </p:anim>
-                                    <p:anim calcmode="lin" valueType="num">
-                                      <p:cBhvr additive="base">
-                                        <p:cTn id="8" dur="500" fill="hold"/>
-                                        <p:tgtEl>
-                                          <p:spTgt spid="2"/>
-                                        </p:tgtEl>
-                                        <p:attrNameLst>
-                                          <p:attrName>ppt_y</p:attrName>
-                                        </p:attrNameLst>
-                                      </p:cBhvr>
-                                      <p:tavLst>
-                                        <p:tav tm="0">
-                                          <p:val>
-                                            <p:strVal val="1+#ppt_h/2"/>
-                                          </p:val>
-                                        </p:tav>
-                                        <p:tav tm="100000">
-                                          <p:val>
-                                            <p:strVal val="#ppt_y"/>
-                                          </p:val>
-                                        </p:tav>
-                                      </p:tavLst>
-                                    </p:anim>
-                                  </p:childTnLst>
-                                </p:cTn>
-                              </p:par>
-                              <p:par>
-                                <p:cTn id="9" presetID="2" presetClass="entr" presetSubtype="4" fill="hold" grpId="0" nodeType="withEffect">
-                                  <p:stCondLst>
-                                    <p:cond delay="0"/>
-                                  </p:stCondLst>
-                                  <p:childTnLst>
-                                    <p:set>
-                                      <p:cBhvr>
-                                        <p:cTn id="10" dur="1" fill="hold">
-                                          <p:stCondLst>
-                                            <p:cond delay="0"/>
-                                          </p:stCondLst>
-                                        </p:cTn>
-                                        <p:tgtEl>
-                                          <p:spTgt spid="8"/>
-                                        </p:tgtEl>
-                                        <p:attrNameLst>
-                                          <p:attrName>style.visibility</p:attrName>
-                                        </p:attrNameLst>
-                                      </p:cBhvr>
-                                      <p:to>
-                                        <p:strVal val="visible"/>
-                                      </p:to>
-                                    </p:set>
-                                    <p:anim calcmode="lin" valueType="num">
-                                      <p:cBhvr additive="base">
-                                        <p:cTn id="11" dur="500" fill="hold"/>
-                                        <p:tgtEl>
-                                          <p:spTgt spid="8"/>
-                                        </p:tgtEl>
-                                        <p:attrNameLst>
-                                          <p:attrName>ppt_x</p:attrName>
-                                        </p:attrNameLst>
-                                      </p:cBhvr>
-                                      <p:tavLst>
-                                        <p:tav tm="0">
-                                          <p:val>
-                                            <p:strVal val="#ppt_x"/>
-                                          </p:val>
-                                        </p:tav>
-                                        <p:tav tm="100000">
-                                          <p:val>
-                                            <p:strVal val="#ppt_x"/>
-                                          </p:val>
-                                        </p:tav>
-                                      </p:tavLst>
-                                    </p:anim>
-                                    <p:anim calcmode="lin" valueType="num">
-                                      <p:cBhvr additive="base">
-                                        <p:cTn id="12" dur="500" fill="hold"/>
-                                        <p:tgtEl>
-                                          <p:spTgt spid="8"/>
-                                        </p:tgtEl>
-                                        <p:attrNameLst>
-                                          <p:attrName>ppt_y</p:attrName>
-                                        </p:attrNameLst>
-                                      </p:cBhvr>
-                                      <p:tavLst>
-                                        <p:tav tm="0">
-                                          <p:val>
-                                            <p:strVal val="1+#ppt_h/2"/>
-                                          </p:val>
-                                        </p:tav>
-                                        <p:tav tm="100000">
-                                          <p:val>
-                                            <p:strVal val="#ppt_y"/>
-                                          </p:val>
-                                        </p:tav>
-                                      </p:tavLst>
-                                    </p:anim>
-                                  </p:childTnLst>
-                                </p:cTn>
-                              </p:par>
-                              <p:par>
-                                <p:cTn id="13" presetID="2" presetClass="entr" presetSubtype="4" fill="hold" grpId="0" nodeType="withEffect">
-                                  <p:stCondLst>
-                                    <p:cond delay="0"/>
-                                  </p:stCondLst>
-                                  <p:childTnLst>
-                                    <p:set>
-                                      <p:cBhvr>
-                                        <p:cTn id="14" dur="1" fill="hold">
-                                          <p:stCondLst>
-                                            <p:cond delay="0"/>
-                                          </p:stCondLst>
-                                        </p:cTn>
-                                        <p:tgtEl>
-                                          <p:spTgt spid="9"/>
-                                        </p:tgtEl>
-                                        <p:attrNameLst>
-                                          <p:attrName>style.visibility</p:attrName>
-                                        </p:attrNameLst>
-                                      </p:cBhvr>
-                                      <p:to>
-                                        <p:strVal val="visible"/>
-                                      </p:to>
-                                    </p:set>
-                                    <p:anim calcmode="lin" valueType="num">
-                                      <p:cBhvr additive="base">
-                                        <p:cTn id="15" dur="500" fill="hold"/>
-                                        <p:tgtEl>
-                                          <p:spTgt spid="9"/>
-                                        </p:tgtEl>
-                                        <p:attrNameLst>
-                                          <p:attrName>ppt_x</p:attrName>
-                                        </p:attrNameLst>
-                                      </p:cBhvr>
-                                      <p:tavLst>
-                                        <p:tav tm="0">
-                                          <p:val>
-                                            <p:strVal val="#ppt_x"/>
-                                          </p:val>
-                                        </p:tav>
-                                        <p:tav tm="100000">
-                                          <p:val>
-                                            <p:strVal val="#ppt_x"/>
-                                          </p:val>
-                                        </p:tav>
-                                      </p:tavLst>
-                                    </p:anim>
-                                    <p:anim calcmode="lin" valueType="num">
-                                      <p:cBhvr additive="base">
-                                        <p:cTn id="16" dur="500" fill="hold"/>
-                                        <p:tgtEl>
-                                          <p:spTgt spid="9"/>
-                                        </p:tgtEl>
-                                        <p:attrNameLst>
-                                          <p:attrName>ppt_y</p:attrName>
-                                        </p:attrNameLst>
-                                      </p:cBhvr>
-                                      <p:tavLst>
-                                        <p:tav tm="0">
-                                          <p:val>
-                                            <p:strVal val="1+#ppt_h/2"/>
-                                          </p:val>
-                                        </p:tav>
-                                        <p:tav tm="100000">
-                                          <p:val>
-                                            <p:strVal val="#ppt_y"/>
-                                          </p:val>
-                                        </p:tav>
-                                      </p:tavLst>
-                                    </p:anim>
-                                  </p:childTnLst>
-                                </p:cTn>
-                              </p:par>
-                              <p:par>
-                                <p:cTn id="17" presetID="2" presetClass="entr" presetSubtype="4" fill="hold" grpId="0" nodeType="withEffect">
-                                  <p:stCondLst>
-                                    <p:cond delay="0"/>
-                                  </p:stCondLst>
-                                  <p:childTnLst>
-                                    <p:set>
-                                      <p:cBhvr>
-                                        <p:cTn id="18" dur="1" fill="hold">
-                                          <p:stCondLst>
-                                            <p:cond delay="0"/>
-                                          </p:stCondLst>
-                                        </p:cTn>
-                                        <p:tgtEl>
-                                          <p:spTgt spid="10"/>
-                                        </p:tgtEl>
-                                        <p:attrNameLst>
-                                          <p:attrName>style.visibility</p:attrName>
-                                        </p:attrNameLst>
-                                      </p:cBhvr>
-                                      <p:to>
-                                        <p:strVal val="visible"/>
-                                      </p:to>
-                                    </p:set>
-                                    <p:anim calcmode="lin" valueType="num">
-                                      <p:cBhvr additive="base">
-                                        <p:cTn id="19" dur="500" fill="hold"/>
-                                        <p:tgtEl>
-                                          <p:spTgt spid="10"/>
-                                        </p:tgtEl>
-                                        <p:attrNameLst>
-                                          <p:attrName>ppt_x</p:attrName>
-                                        </p:attrNameLst>
-                                      </p:cBhvr>
-                                      <p:tavLst>
-                                        <p:tav tm="0">
-                                          <p:val>
-                                            <p:strVal val="#ppt_x"/>
-                                          </p:val>
-                                        </p:tav>
-                                        <p:tav tm="100000">
-                                          <p:val>
-                                            <p:strVal val="#ppt_x"/>
-                                          </p:val>
-                                        </p:tav>
-                                      </p:tavLst>
-                                    </p:anim>
-                                    <p:anim calcmode="lin" valueType="num">
-                                      <p:cBhvr additive="base">
-                                        <p:cTn id="20" dur="500" fill="hold"/>
-                                        <p:tgtEl>
-                                          <p:spTgt spid="10"/>
-                                        </p:tgtEl>
-                                        <p:attrNameLst>
-                                          <p:attrName>ppt_y</p:attrName>
-                                        </p:attrNameLst>
-                                      </p:cBhvr>
-                                      <p:tavLst>
-                                        <p:tav tm="0">
-                                          <p:val>
-                                            <p:strVal val="1+#ppt_h/2"/>
-                                          </p:val>
-                                        </p:tav>
-                                        <p:tav tm="100000">
-                                          <p:val>
-                                            <p:strVal val="#ppt_y"/>
-                                          </p:val>
-                                        </p:tav>
-                                      </p:tavLst>
-                                    </p:anim>
-                                  </p:childTnLst>
-                                </p:cTn>
-                              </p:par>
-                              <p:par>
-                                <p:cTn id="21" presetID="2" presetClass="entr" presetSubtype="4" fill="hold" grpId="0" nodeType="withEffect">
-                                  <p:stCondLst>
-                                    <p:cond delay="0"/>
-                                  </p:stCondLst>
-                                  <p:childTnLst>
-                                    <p:set>
-                                      <p:cBhvr>
-                                        <p:cTn id="22" dur="1" fill="hold">
-                                          <p:stCondLst>
-                                            <p:cond delay="0"/>
-                                          </p:stCondLst>
-                                        </p:cTn>
-                                        <p:tgtEl>
-                                          <p:spTgt spid="11"/>
-                                        </p:tgtEl>
-                                        <p:attrNameLst>
-                                          <p:attrName>style.visibility</p:attrName>
-                                        </p:attrNameLst>
-                                      </p:cBhvr>
-                                      <p:to>
-                                        <p:strVal val="visible"/>
-                                      </p:to>
-                                    </p:set>
-                                    <p:anim calcmode="lin" valueType="num">
-                                      <p:cBhvr additive="base">
-                                        <p:cTn id="23" dur="500" fill="hold"/>
-                                        <p:tgtEl>
-                                          <p:spTgt spid="11"/>
-                                        </p:tgtEl>
-                                        <p:attrNameLst>
-                                          <p:attrName>ppt_x</p:attrName>
-                                        </p:attrNameLst>
-                                      </p:cBhvr>
-                                      <p:tavLst>
-                                        <p:tav tm="0">
-                                          <p:val>
-                                            <p:strVal val="#ppt_x"/>
-                                          </p:val>
-                                        </p:tav>
-                                        <p:tav tm="100000">
-                                          <p:val>
-                                            <p:strVal val="#ppt_x"/>
-                                          </p:val>
-                                        </p:tav>
-                                      </p:tavLst>
-                                    </p:anim>
-                                    <p:anim calcmode="lin" valueType="num">
-                                      <p:cBhvr additive="base">
-                                        <p:cTn id="24" dur="500" fill="hold"/>
-                                        <p:tgtEl>
-                                          <p:spTgt spid="11"/>
-                                        </p:tgtEl>
-                                        <p:attrNameLst>
-                                          <p:attrName>ppt_y</p:attrName>
-                                        </p:attrNameLst>
-                                      </p:cBhvr>
-                                      <p:tavLst>
-                                        <p:tav tm="0">
-                                          <p:val>
-                                            <p:strVal val="1+#ppt_h/2"/>
-                                          </p:val>
-                                        </p:tav>
-                                        <p:tav tm="100000">
-                                          <p:val>
-                                            <p:strVal val="#ppt_y"/>
-                                          </p:val>
-                                        </p:tav>
-                                      </p:tavLst>
-                                    </p:anim>
-                                  </p:childTnLst>
-                                </p:cTn>
-                              </p:par>
-                              <p:par>
-                                <p:cTn id="25" presetID="2" presetClass="entr" presetSubtype="4" fill="hold" grpId="0" nodeType="withEffect">
-                                  <p:stCondLst>
-                                    <p:cond delay="0"/>
-                                  </p:stCondLst>
-                                  <p:childTnLst>
-                                    <p:set>
-                                      <p:cBhvr>
-                                        <p:cTn id="26" dur="1" fill="hold">
-                                          <p:stCondLst>
-                                            <p:cond delay="0"/>
-                                          </p:stCondLst>
-                                        </p:cTn>
-                                        <p:tgtEl>
-                                          <p:spTgt spid="12"/>
-                                        </p:tgtEl>
-                                        <p:attrNameLst>
-                                          <p:attrName>style.visibility</p:attrName>
-                                        </p:attrNameLst>
-                                      </p:cBhvr>
-                                      <p:to>
-                                        <p:strVal val="visible"/>
-                                      </p:to>
-                                    </p:set>
-                                    <p:anim calcmode="lin" valueType="num">
-                                      <p:cBhvr additive="base">
-                                        <p:cTn id="27" dur="500" fill="hold"/>
-                                        <p:tgtEl>
-                                          <p:spTgt spid="12"/>
-                                        </p:tgtEl>
-                                        <p:attrNameLst>
-                                          <p:attrName>ppt_x</p:attrName>
-                                        </p:attrNameLst>
-                                      </p:cBhvr>
-                                      <p:tavLst>
-                                        <p:tav tm="0">
-                                          <p:val>
-                                            <p:strVal val="#ppt_x"/>
-                                          </p:val>
-                                        </p:tav>
-                                        <p:tav tm="100000">
-                                          <p:val>
-                                            <p:strVal val="#ppt_x"/>
-                                          </p:val>
-                                        </p:tav>
-                                      </p:tavLst>
-                                    </p:anim>
-                                    <p:anim calcmode="lin" valueType="num">
-                                      <p:cBhvr additive="base">
-                                        <p:cTn id="28" dur="500" fill="hold"/>
-                                        <p:tgtEl>
-                                          <p:spTgt spid="12"/>
-                                        </p:tgtEl>
-                                        <p:attrNameLst>
-                                          <p:attrName>ppt_y</p:attrName>
-                                        </p:attrNameLst>
-                                      </p:cBhvr>
-                                      <p:tavLst>
-                                        <p:tav tm="0">
-                                          <p:val>
-                                            <p:strVal val="1+#ppt_h/2"/>
-                                          </p:val>
-                                        </p:tav>
-                                        <p:tav tm="100000">
-                                          <p:val>
-                                            <p:strVal val="#ppt_y"/>
-                                          </p:val>
-                                        </p:tav>
-                                      </p:tavLst>
-                                    </p:anim>
-                                  </p:childTnLst>
-                                </p:cTn>
-                              </p:par>
-                              <p:par>
-                                <p:cTn id="29" presetID="2" presetClass="entr" presetSubtype="4" fill="hold" grpId="0" nodeType="withEffect">
-                                  <p:stCondLst>
-                                    <p:cond delay="0"/>
-                                  </p:stCondLst>
-                                  <p:childTnLst>
-                                    <p:set>
-                                      <p:cBhvr>
-                                        <p:cTn id="30" dur="1" fill="hold">
-                                          <p:stCondLst>
-                                            <p:cond delay="0"/>
-                                          </p:stCondLst>
-                                        </p:cTn>
-                                        <p:tgtEl>
-                                          <p:spTgt spid="15"/>
-                                        </p:tgtEl>
-                                        <p:attrNameLst>
-                                          <p:attrName>style.visibility</p:attrName>
-                                        </p:attrNameLst>
-                                      </p:cBhvr>
-                                      <p:to>
-                                        <p:strVal val="visible"/>
-                                      </p:to>
-                                    </p:set>
-                                    <p:anim calcmode="lin" valueType="num">
-                                      <p:cBhvr additive="base">
-                                        <p:cTn id="31" dur="500" fill="hold"/>
-                                        <p:tgtEl>
-                                          <p:spTgt spid="15"/>
-                                        </p:tgtEl>
-                                        <p:attrNameLst>
-                                          <p:attrName>ppt_x</p:attrName>
-                                        </p:attrNameLst>
-                                      </p:cBhvr>
-                                      <p:tavLst>
-                                        <p:tav tm="0">
-                                          <p:val>
-                                            <p:strVal val="#ppt_x"/>
-                                          </p:val>
-                                        </p:tav>
-                                        <p:tav tm="100000">
-                                          <p:val>
-                                            <p:strVal val="#ppt_x"/>
-                                          </p:val>
-                                        </p:tav>
-                                      </p:tavLst>
-                                    </p:anim>
-                                    <p:anim calcmode="lin" valueType="num">
-                                      <p:cBhvr additive="base">
-                                        <p:cTn id="32" dur="500" fill="hold"/>
-                                        <p:tgtEl>
-                                          <p:spTgt spid="15"/>
-                                        </p:tgtEl>
-                                        <p:attrNameLst>
-                                          <p:attrName>ppt_y</p:attrName>
-                                        </p:attrNameLst>
-                                      </p:cBhvr>
-                                      <p:tavLst>
-                                        <p:tav tm="0">
-                                          <p:val>
-                                            <p:strVal val="1+#ppt_h/2"/>
-                                          </p:val>
-                                        </p:tav>
-                                        <p:tav tm="100000">
-                                          <p:val>
-                                            <p:strVal val="#ppt_y"/>
-                                          </p:val>
-                                        </p:tav>
-                                      </p:tavLst>
-                                    </p:anim>
-                                  </p:childTnLst>
-                                </p:cTn>
-                              </p:par>
-                              <p:par>
-                                <p:cTn id="33" presetID="2" presetClass="entr" presetSubtype="4" fill="hold" grpId="0" nodeType="withEffect">
-                                  <p:stCondLst>
-                                    <p:cond delay="0"/>
-                                  </p:stCondLst>
-                                  <p:childTnLst>
-                                    <p:set>
-                                      <p:cBhvr>
-                                        <p:cTn id="34" dur="1" fill="hold">
-                                          <p:stCondLst>
-                                            <p:cond delay="0"/>
-                                          </p:stCondLst>
-                                        </p:cTn>
-                                        <p:tgtEl>
-                                          <p:spTgt spid="16"/>
-                                        </p:tgtEl>
-                                        <p:attrNameLst>
-                                          <p:attrName>style.visibility</p:attrName>
-                                        </p:attrNameLst>
-                                      </p:cBhvr>
-                                      <p:to>
-                                        <p:strVal val="visible"/>
-                                      </p:to>
-                                    </p:set>
-                                    <p:anim calcmode="lin" valueType="num">
-                                      <p:cBhvr additive="base">
-                                        <p:cTn id="35" dur="500" fill="hold"/>
-                                        <p:tgtEl>
-                                          <p:spTgt spid="16"/>
-                                        </p:tgtEl>
-                                        <p:attrNameLst>
-                                          <p:attrName>ppt_x</p:attrName>
-                                        </p:attrNameLst>
-                                      </p:cBhvr>
-                                      <p:tavLst>
-                                        <p:tav tm="0">
-                                          <p:val>
-                                            <p:strVal val="#ppt_x"/>
-                                          </p:val>
-                                        </p:tav>
-                                        <p:tav tm="100000">
-                                          <p:val>
-                                            <p:strVal val="#ppt_x"/>
-                                          </p:val>
-                                        </p:tav>
-                                      </p:tavLst>
-                                    </p:anim>
-                                    <p:anim calcmode="lin" valueType="num">
-                                      <p:cBhvr additive="base">
-                                        <p:cTn id="36" dur="500" fill="hold"/>
-                                        <p:tgtEl>
-                                          <p:spTgt spid="16"/>
-                                        </p:tgtEl>
-                                        <p:attrNameLst>
-                                          <p:attrName>ppt_y</p:attrName>
-                                        </p:attrNameLst>
-                                      </p:cBhvr>
-                                      <p:tavLst>
-                                        <p:tav tm="0">
-                                          <p:val>
-                                            <p:strVal val="1+#ppt_h/2"/>
-                                          </p:val>
-                                        </p:tav>
-                                        <p:tav tm="100000">
-                                          <p:val>
-                                            <p:strVal val="#ppt_y"/>
-                                          </p:val>
-                                        </p:tav>
-                                      </p:tavLst>
-                                    </p:anim>
-                                  </p:childTnLst>
-                                </p:cTn>
-                              </p:par>
-                              <p:par>
-                                <p:cTn id="37" presetID="2" presetClass="entr" presetSubtype="4" fill="hold" grpId="0" nodeType="withEffect">
-                                  <p:stCondLst>
-                                    <p:cond delay="0"/>
-                                  </p:stCondLst>
-                                  <p:childTnLst>
-                                    <p:set>
-                                      <p:cBhvr>
-                                        <p:cTn id="38" dur="1" fill="hold">
-                                          <p:stCondLst>
-                                            <p:cond delay="0"/>
-                                          </p:stCondLst>
-                                        </p:cTn>
-                                        <p:tgtEl>
-                                          <p:spTgt spid="18"/>
-                                        </p:tgtEl>
-                                        <p:attrNameLst>
-                                          <p:attrName>style.visibility</p:attrName>
-                                        </p:attrNameLst>
-                                      </p:cBhvr>
-                                      <p:to>
-                                        <p:strVal val="visible"/>
-                                      </p:to>
-                                    </p:set>
-                                    <p:anim calcmode="lin" valueType="num">
-                                      <p:cBhvr additive="base">
-                                        <p:cTn id="39" dur="500" fill="hold"/>
-                                        <p:tgtEl>
-                                          <p:spTgt spid="18"/>
-                                        </p:tgtEl>
-                                        <p:attrNameLst>
-                                          <p:attrName>ppt_x</p:attrName>
-                                        </p:attrNameLst>
-                                      </p:cBhvr>
-                                      <p:tavLst>
-                                        <p:tav tm="0">
-                                          <p:val>
-                                            <p:strVal val="#ppt_x"/>
-                                          </p:val>
-                                        </p:tav>
-                                        <p:tav tm="100000">
-                                          <p:val>
-                                            <p:strVal val="#ppt_x"/>
-                                          </p:val>
-                                        </p:tav>
-                                      </p:tavLst>
-                                    </p:anim>
-                                    <p:anim calcmode="lin" valueType="num">
-                                      <p:cBhvr additive="base">
-                                        <p:cTn id="40" dur="500" fill="hold"/>
-                                        <p:tgtEl>
-                                          <p:spTgt spid="18"/>
-                                        </p:tgtEl>
-                                        <p:attrNameLst>
-                                          <p:attrName>ppt_y</p:attrName>
-                                        </p:attrNameLst>
-                                      </p:cBhvr>
-                                      <p:tavLst>
-                                        <p:tav tm="0">
-                                          <p:val>
-                                            <p:strVal val="1+#ppt_h/2"/>
-                                          </p:val>
-                                        </p:tav>
-                                        <p:tav tm="100000">
-                                          <p:val>
-                                            <p:strVal val="#ppt_y"/>
-                                          </p:val>
-                                        </p:tav>
-                                      </p:tavLst>
-                                    </p:anim>
-                                  </p:childTnLst>
-                                </p:cTn>
-                              </p:par>
-                            </p:childTnLst>
-                          </p:cTn>
-                        </p:par>
-                      </p:childTnLst>
-                    </p:cTn>
-                  </p:par>
-                </p:childTnLst>
-              </p:cTn>
-              <p:prevCondLst>
-                <p:cond evt="onPrev" delay="0">
-                  <p:tgtEl>
-                    <p:sldTgt/>
-                  </p:tgtEl>
-                </p:cond>
-              </p:prevCondLst>
-              <p:nextCondLst>
-                <p:cond evt="onNext" delay="0">
-                  <p:tgtEl>
-                    <p:sldTgt/>
-                  </p:tgtEl>
-                </p:cond>
-              </p:nextCondLst>
-            </p:seq>
-          </p:childTnLst>
-        </p:cTn>
+        <p:cTn id="1" dur="indefinite" restart="never" nodeType="tmRoot"/>
       </p:par>
     </p:tnLst>
-    <p:bldLst>
-      <p:bldP spid="2" grpId="0" animBg="1"/>
-      <p:bldP spid="8" grpId="0" animBg="1"/>
-      <p:bldP spid="9" grpId="0" animBg="1"/>
-      <p:bldP spid="10" grpId="0" animBg="1"/>
-      <p:bldP spid="11" grpId="0" animBg="1"/>
-      <p:bldP spid="12" grpId="0" animBg="1"/>
-      <p:bldP spid="15" grpId="0" animBg="1"/>
-      <p:bldP spid="16" grpId="0" animBg="1"/>
-      <p:bldP spid="18" grpId="0" animBg="1"/>
-    </p:bldLst>
   </p:timing>
 </p:sld>
 </file>
@@ -8306,7 +6420,7 @@
         </p:nvSpPr>
         <p:spPr>
           <a:xfrm>
-            <a:off x="304800" y="3866185"/>
+            <a:off x="304800" y="2994879"/>
             <a:ext cx="1752600" cy="307777"/>
           </a:xfrm>
           <a:prstGeom prst="rect">
@@ -8361,7 +6475,7 @@
         </p:nvSpPr>
         <p:spPr>
           <a:xfrm>
-            <a:off x="304800" y="5260511"/>
+            <a:off x="304800" y="4711610"/>
             <a:ext cx="1752600" cy="307777"/>
           </a:xfrm>
           <a:prstGeom prst="rect">
@@ -8488,8 +6602,23 @@
               <a:rPr lang="en-US" sz="1600" dirty="0" smtClean="0">
                 <a:ea typeface="+mn-ea"/>
               </a:rPr>
-              <a:t>If we had more time, we would have looked into the additional “Total Other Pay” column in the Payroll data file and we would have done some cooler charts like this one:</a:t>
+              <a:t>If we had more time, we </a:t>
             </a:r>
+            <a:r>
+              <a:rPr lang="en-US" sz="1600" dirty="0" smtClean="0">
+                <a:ea typeface="+mn-ea"/>
+              </a:rPr>
+              <a:t>would have figured out how to load a </a:t>
+            </a:r>
+            <a:r>
+              <a:rPr lang="en-US" sz="1600" dirty="0" smtClean="0">
+                <a:ea typeface="+mn-ea"/>
+              </a:rPr>
+              <a:t>Leaflet map with much more data (Queens, Bronx, Brooklyn, Staten Island) and also done some interesting plot.ly charts looking into violation codes by borough.</a:t>
+            </a:r>
+            <a:endParaRPr lang="en-US" sz="1600" dirty="0" smtClean="0">
+              <a:ea typeface="+mn-ea"/>
+            </a:endParaRPr>
           </a:p>
         </p:txBody>
       </p:sp>
@@ -8501,7 +6630,101 @@
         </p:nvSpPr>
         <p:spPr>
           <a:xfrm>
-            <a:off x="2077453" y="5188803"/>
+            <a:off x="2057400" y="4696361"/>
+            <a:ext cx="6629400" cy="338554"/>
+          </a:xfrm>
+          <a:prstGeom prst="rect">
+            <a:avLst/>
+          </a:prstGeom>
+          <a:noFill/>
+          <a:ln w="9525">
+            <a:noFill/>
+          </a:ln>
+        </p:spPr>
+        <p:style>
+          <a:lnRef idx="2">
+            <a:schemeClr val="accent1">
+              <a:shade val="50000"/>
+            </a:schemeClr>
+          </a:lnRef>
+          <a:fillRef idx="1">
+            <a:schemeClr val="accent1"/>
+          </a:fillRef>
+          <a:effectRef idx="0">
+            <a:schemeClr val="accent1"/>
+          </a:effectRef>
+          <a:fontRef idx="minor">
+            <a:schemeClr val="lt1"/>
+          </a:fontRef>
+        </p:style>
+        <p:txBody>
+          <a:bodyPr wrap="square" rtlCol="0" anchor="t" anchorCtr="0">
+            <a:spAutoFit/>
+          </a:bodyPr>
+          <a:lstStyle>
+            <a:defPPr>
+              <a:defRPr lang="en-US"/>
+            </a:defPPr>
+            <a:lvl1pPr>
+              <a:defRPr sz="1200">
+                <a:solidFill>
+                  <a:schemeClr val="tx1"/>
+                </a:solidFill>
+                <a:latin typeface="Tw Cen MT" panose="020B0602020104020603" pitchFamily="34" charset="0"/>
+                <a:ea typeface="Times New Roman" panose="02020603050405020304" pitchFamily="18" charset="0"/>
+              </a:defRPr>
+            </a:lvl1pPr>
+            <a:lvl2pPr marL="344488" lvl="1" indent="-173038">
+              <a:buFont typeface="Wingdings" panose="05000000000000000000" pitchFamily="2" charset="2"/>
+              <a:buChar char="§"/>
+              <a:defRPr sz="1200">
+                <a:solidFill>
+                  <a:schemeClr val="tx1"/>
+                </a:solidFill>
+                <a:latin typeface="Tw Cen MT" panose="020B0602020104020603" pitchFamily="34" charset="0"/>
+                <a:ea typeface="Times New Roman" panose="02020603050405020304" pitchFamily="18" charset="0"/>
+              </a:defRPr>
+            </a:lvl2pPr>
+            <a:lvl4pPr marL="569913" lvl="3" indent="-225425">
+              <a:buFont typeface="Wingdings" panose="05000000000000000000" pitchFamily="2" charset="2"/>
+              <a:buChar char="§"/>
+              <a:defRPr sz="1200">
+                <a:solidFill>
+                  <a:schemeClr val="tx1"/>
+                </a:solidFill>
+                <a:latin typeface="Tw Cen MT" panose="020B0602020104020603" pitchFamily="34" charset="0"/>
+                <a:ea typeface="Times New Roman" panose="02020603050405020304" pitchFamily="18" charset="0"/>
+              </a:defRPr>
+            </a:lvl4pPr>
+          </a:lstStyle>
+          <a:p>
+            <a:r>
+              <a:rPr lang="en-US" sz="1600" dirty="0" smtClean="0">
+                <a:ea typeface="+mn-ea"/>
+              </a:rPr>
+              <a:t>We </a:t>
+            </a:r>
+            <a:r>
+              <a:rPr lang="en-US" sz="1600" dirty="0" smtClean="0">
+                <a:ea typeface="+mn-ea"/>
+              </a:rPr>
+              <a:t>should’ve….. </a:t>
+            </a:r>
+            <a:endParaRPr lang="en-US" sz="1600" dirty="0" smtClean="0">
+              <a:ea typeface="+mn-ea"/>
+            </a:endParaRPr>
+          </a:p>
+        </p:txBody>
+      </p:sp>
+      <p:sp>
+        <p:nvSpPr>
+          <p:cNvPr id="12" name="TextBox 11"/>
+          <p:cNvSpPr txBox="1"/>
+          <p:nvPr/>
+        </p:nvSpPr>
+        <p:spPr>
+          <a:xfrm>
+            <a:off x="2077453" y="2944566"/>
             <a:ext cx="6629400" cy="830997"/>
           </a:xfrm>
           <a:prstGeom prst="rect">
@@ -8573,93 +6796,17 @@
               <a:rPr lang="en-US" sz="1600" dirty="0" smtClean="0">
                 <a:ea typeface="+mn-ea"/>
               </a:rPr>
-              <a:t>We should’ve cleaned the data more because within the &gt;3.3million rows there were some hourly wage employees included in base salary but we’re confident this subset would not have significantly impacted the results. </a:t>
+              <a:t>We could’ve looked at </a:t>
             </a:r>
-          </a:p>
-        </p:txBody>
-      </p:sp>
-      <p:sp>
-        <p:nvSpPr>
-          <p:cNvPr id="12" name="TextBox 11"/>
-          <p:cNvSpPr txBox="1"/>
-          <p:nvPr/>
-        </p:nvSpPr>
-        <p:spPr>
-          <a:xfrm>
-            <a:off x="2109537" y="3781961"/>
-            <a:ext cx="6629400" cy="1323439"/>
-          </a:xfrm>
-          <a:prstGeom prst="rect">
-            <a:avLst/>
-          </a:prstGeom>
-          <a:noFill/>
-          <a:ln w="9525">
-            <a:noFill/>
-          </a:ln>
-        </p:spPr>
-        <p:style>
-          <a:lnRef idx="2">
-            <a:schemeClr val="accent1">
-              <a:shade val="50000"/>
-            </a:schemeClr>
-          </a:lnRef>
-          <a:fillRef idx="1">
-            <a:schemeClr val="accent1"/>
-          </a:fillRef>
-          <a:effectRef idx="0">
-            <a:schemeClr val="accent1"/>
-          </a:effectRef>
-          <a:fontRef idx="minor">
-            <a:schemeClr val="lt1"/>
-          </a:fontRef>
-        </p:style>
-        <p:txBody>
-          <a:bodyPr wrap="square" rtlCol="0" anchor="t" anchorCtr="0">
-            <a:spAutoFit/>
-          </a:bodyPr>
-          <a:lstStyle>
-            <a:defPPr>
-              <a:defRPr lang="en-US"/>
-            </a:defPPr>
-            <a:lvl1pPr>
-              <a:defRPr sz="1200">
-                <a:solidFill>
-                  <a:schemeClr val="tx1"/>
-                </a:solidFill>
-                <a:latin typeface="Tw Cen MT" panose="020B0602020104020603" pitchFamily="34" charset="0"/>
-                <a:ea typeface="Times New Roman" panose="02020603050405020304" pitchFamily="18" charset="0"/>
-              </a:defRPr>
-            </a:lvl1pPr>
-            <a:lvl2pPr marL="344488" lvl="1" indent="-173038">
-              <a:buFont typeface="Wingdings" panose="05000000000000000000" pitchFamily="2" charset="2"/>
-              <a:buChar char="§"/>
-              <a:defRPr sz="1200">
-                <a:solidFill>
-                  <a:schemeClr val="tx1"/>
-                </a:solidFill>
-                <a:latin typeface="Tw Cen MT" panose="020B0602020104020603" pitchFamily="34" charset="0"/>
-                <a:ea typeface="Times New Roman" panose="02020603050405020304" pitchFamily="18" charset="0"/>
-              </a:defRPr>
-            </a:lvl2pPr>
-            <a:lvl4pPr marL="569913" lvl="3" indent="-225425">
-              <a:buFont typeface="Wingdings" panose="05000000000000000000" pitchFamily="2" charset="2"/>
-              <a:buChar char="§"/>
-              <a:defRPr sz="1200">
-                <a:solidFill>
-                  <a:schemeClr val="tx1"/>
-                </a:solidFill>
-                <a:latin typeface="Tw Cen MT" panose="020B0602020104020603" pitchFamily="34" charset="0"/>
-                <a:ea typeface="Times New Roman" panose="02020603050405020304" pitchFamily="18" charset="0"/>
-              </a:defRPr>
-            </a:lvl4pPr>
-          </a:lstStyle>
-          <a:p>
             <a:r>
               <a:rPr lang="en-US" sz="1600" dirty="0" smtClean="0">
                 <a:ea typeface="+mn-ea"/>
               </a:rPr>
-              <a:t>We could’ve looked at gender salary gaps if gender was available it the payroll data. We could’ve looked at base salary differences across agencies for the same role. (e.g. how much does a data analyst make at one agency vs. another?)</a:t>
+              <a:t>violation codes and ratings by cuisine, but didn’t want to open that Pandora box of cultural stereotypes. </a:t>
             </a:r>
+            <a:endParaRPr lang="en-US" sz="1600" dirty="0" smtClean="0">
+              <a:ea typeface="+mn-ea"/>
+            </a:endParaRPr>
           </a:p>
           <a:p>
             <a:pPr marL="285750" indent="-285750">
@@ -8672,49 +6819,10 @@
           </a:p>
         </p:txBody>
       </p:sp>
-      <p:pic>
-        <p:nvPicPr>
-          <p:cNvPr id="1028" name="Picture 4" descr="Image result for tree map"/>
-          <p:cNvPicPr>
-            <a:picLocks noChangeAspect="1" noChangeArrowheads="1"/>
-          </p:cNvPicPr>
-          <p:nvPr/>
-        </p:nvPicPr>
-        <p:blipFill rotWithShape="1">
-          <a:blip r:embed="rId2">
-            <a:extLst>
-              <a:ext uri="{28A0092B-C50C-407E-A947-70E740481C1C}">
-                <a14:useLocalDpi xmlns:a14="http://schemas.microsoft.com/office/drawing/2010/main" val="0"/>
-              </a:ext>
-            </a:extLst>
-          </a:blip>
-          <a:srcRect t="9333" b="40000"/>
-          <a:stretch/>
-        </p:blipFill>
-        <p:spPr bwMode="auto">
-          <a:xfrm>
-            <a:off x="4011304" y="1908686"/>
-            <a:ext cx="4276056" cy="1624902"/>
-          </a:xfrm>
-          <a:prstGeom prst="rect">
-            <a:avLst/>
-          </a:prstGeom>
-          <a:noFill/>
-          <a:extLst>
-            <a:ext uri="{909E8E84-426E-40DD-AFC4-6F175D3DCCD1}">
-              <a14:hiddenFill xmlns:a14="http://schemas.microsoft.com/office/drawing/2010/main">
-                <a:solidFill>
-                  <a:srgbClr val="FFFFFF"/>
-                </a:solidFill>
-              </a14:hiddenFill>
-            </a:ext>
-          </a:extLst>
-        </p:spPr>
-      </p:pic>
     </p:spTree>
     <p:extLst>
       <p:ext uri="{BB962C8B-B14F-4D97-AF65-F5344CB8AC3E}">
-        <p14:creationId xmlns:p14="http://schemas.microsoft.com/office/powerpoint/2010/main" val="4120864687"/>
+        <p14:creationId xmlns:p14="http://schemas.microsoft.com/office/powerpoint/2010/main" val="874324545"/>
       </p:ext>
     </p:extLst>
   </p:cSld>
